--- a/1999問題分類器.pptx
+++ b/1999問題分類器.pptx
@@ -5,7 +5,7 @@
     <p:sldMasterId id="2147483648" r:id="rId1"/>
   </p:sldMasterIdLst>
   <p:notesMasterIdLst>
-    <p:notesMasterId r:id="rId18"/>
+    <p:notesMasterId r:id="rId19"/>
   </p:notesMasterIdLst>
   <p:sldIdLst>
     <p:sldId id="256" r:id="rId2"/>
@@ -23,7 +23,8 @@
     <p:sldId id="264" r:id="rId14"/>
     <p:sldId id="267" r:id="rId15"/>
     <p:sldId id="274" r:id="rId16"/>
-    <p:sldId id="260" r:id="rId17"/>
+    <p:sldId id="275" r:id="rId17"/>
+    <p:sldId id="260" r:id="rId18"/>
   </p:sldIdLst>
   <p:sldSz cx="9144000" cy="5143500" type="screen16x9"/>
   <p:notesSz cx="6858000" cy="9144000"/>
@@ -223,7 +224,7 @@
           <a:p>
             <a:fld id="{B4DB2679-F535-46E2-A3A3-5F6B17EFB8E3}" type="datetimeFigureOut">
               <a:rPr lang="zh-TW" altLang="en-US" smtClean="0"/>
-              <a:t>2017/11/25</a:t>
+              <a:t>2017/11/26</a:t>
             </a:fld>
             <a:endParaRPr lang="zh-TW" altLang="en-US"/>
           </a:p>
@@ -1073,7 +1074,7 @@
           <a:p>
             <a:fld id="{79C8EB11-B45F-4D29-9742-3A2D0BA8B9A3}" type="datetime1">
               <a:rPr lang="zh-TW" altLang="en-US" smtClean="0"/>
-              <a:t>2017/11/25</a:t>
+              <a:t>2017/11/26</a:t>
             </a:fld>
             <a:endParaRPr lang="zh-TW" altLang="en-US"/>
           </a:p>
@@ -1353,7 +1354,7 @@
           <a:p>
             <a:fld id="{E4398E98-F64A-48DD-8B2B-3A25B20EC597}" type="datetime1">
               <a:rPr lang="zh-TW" altLang="en-US" smtClean="0"/>
-              <a:t>2017/11/25</a:t>
+              <a:t>2017/11/26</a:t>
             </a:fld>
             <a:endParaRPr lang="zh-TW" altLang="en-US"/>
           </a:p>
@@ -1533,7 +1534,7 @@
           <a:p>
             <a:fld id="{F5990BA1-DA1D-42B0-AE80-C67E5EE9FFF8}" type="datetime1">
               <a:rPr lang="zh-TW" altLang="en-US" smtClean="0"/>
-              <a:t>2017/11/25</a:t>
+              <a:t>2017/11/26</a:t>
             </a:fld>
             <a:endParaRPr lang="zh-TW" altLang="en-US"/>
           </a:p>
@@ -1747,7 +1748,7 @@
           <a:p>
             <a:fld id="{4C4087DA-A603-4F3A-AD65-9A089A01D4C7}" type="datetime1">
               <a:rPr lang="zh-TW" altLang="en-US" smtClean="0"/>
-              <a:t>2017/11/25</a:t>
+              <a:t>2017/11/26</a:t>
             </a:fld>
             <a:endParaRPr lang="zh-TW" altLang="en-US"/>
           </a:p>
@@ -2135,7 +2136,7 @@
           <a:p>
             <a:fld id="{D0F4B25F-4AB0-4B29-9955-E6493AE080D0}" type="datetime1">
               <a:rPr lang="zh-TW" altLang="en-US" smtClean="0"/>
-              <a:t>2017/11/25</a:t>
+              <a:t>2017/11/26</a:t>
             </a:fld>
             <a:endParaRPr lang="zh-TW" altLang="en-US"/>
           </a:p>
@@ -2423,7 +2424,7 @@
           <a:p>
             <a:fld id="{F9571759-2BD7-4F8F-BEEC-A86E9A5CAB92}" type="datetime1">
               <a:rPr lang="zh-TW" altLang="en-US" smtClean="0"/>
-              <a:t>2017/11/25</a:t>
+              <a:t>2017/11/26</a:t>
             </a:fld>
             <a:endParaRPr lang="zh-TW" altLang="en-US"/>
           </a:p>
@@ -2850,7 +2851,7 @@
           <a:p>
             <a:fld id="{C4876340-B95F-4565-B32F-B2EF5CEB830B}" type="datetime1">
               <a:rPr lang="zh-TW" altLang="en-US" smtClean="0"/>
-              <a:t>2017/11/25</a:t>
+              <a:t>2017/11/26</a:t>
             </a:fld>
             <a:endParaRPr lang="zh-TW" altLang="en-US"/>
           </a:p>
@@ -2968,7 +2969,7 @@
           <a:p>
             <a:fld id="{E16CB1AE-098B-4343-B3DA-CFB4F351FCED}" type="datetime1">
               <a:rPr lang="zh-TW" altLang="en-US" smtClean="0"/>
-              <a:t>2017/11/25</a:t>
+              <a:t>2017/11/26</a:t>
             </a:fld>
             <a:endParaRPr lang="zh-TW" altLang="en-US"/>
           </a:p>
@@ -3063,7 +3064,7 @@
           <a:p>
             <a:fld id="{A78D8308-BA06-4B5F-A8B0-E051330C43A9}" type="datetime1">
               <a:rPr lang="zh-TW" altLang="en-US" smtClean="0"/>
-              <a:t>2017/11/25</a:t>
+              <a:t>2017/11/26</a:t>
             </a:fld>
             <a:endParaRPr lang="zh-TW" altLang="en-US"/>
           </a:p>
@@ -3340,7 +3341,7 @@
           <a:p>
             <a:fld id="{FDD44F22-C951-4463-9C58-D4DD60DBA6F5}" type="datetime1">
               <a:rPr lang="zh-TW" altLang="en-US" smtClean="0"/>
-              <a:t>2017/11/25</a:t>
+              <a:t>2017/11/26</a:t>
             </a:fld>
             <a:endParaRPr lang="zh-TW" altLang="en-US"/>
           </a:p>
@@ -3593,7 +3594,7 @@
           <a:p>
             <a:fld id="{C00E1189-4DED-42F0-9FEF-D99B8BD1450E}" type="datetime1">
               <a:rPr lang="zh-TW" altLang="en-US" smtClean="0"/>
-              <a:t>2017/11/25</a:t>
+              <a:t>2017/11/26</a:t>
             </a:fld>
             <a:endParaRPr lang="zh-TW" altLang="en-US"/>
           </a:p>
@@ -3806,7 +3807,7 @@
           <a:p>
             <a:fld id="{D15E9A3A-8120-4DB8-99B2-2A8711574E35}" type="datetime1">
               <a:rPr lang="zh-TW" altLang="en-US" smtClean="0"/>
-              <a:t>2017/11/25</a:t>
+              <a:t>2017/11/26</a:t>
             </a:fld>
             <a:endParaRPr lang="zh-TW" altLang="en-US"/>
           </a:p>
@@ -5433,6 +5434,101 @@
 </file>
 
 <file path=ppt/slides/slide16.xml><?xml version="1.0" encoding="utf-8"?>
+<p:sld xmlns:a="http://schemas.openxmlformats.org/drawingml/2006/main" xmlns:r="http://schemas.openxmlformats.org/officeDocument/2006/relationships" xmlns:p="http://schemas.openxmlformats.org/presentationml/2006/main">
+  <p:cSld>
+    <p:spTree>
+      <p:nvGrpSpPr>
+        <p:cNvPr id="1" name=""/>
+        <p:cNvGrpSpPr/>
+        <p:nvPr/>
+      </p:nvGrpSpPr>
+      <p:grpSpPr>
+        <a:xfrm>
+          <a:off x="0" y="0"/>
+          <a:ext cx="0" cy="0"/>
+          <a:chOff x="0" y="0"/>
+          <a:chExt cx="0" cy="0"/>
+        </a:xfrm>
+      </p:grpSpPr>
+      <p:sp>
+        <p:nvSpPr>
+          <p:cNvPr id="2" name="標題 1"/>
+          <p:cNvSpPr>
+            <a:spLocks noGrp="1"/>
+          </p:cNvSpPr>
+          <p:nvPr>
+            <p:ph type="title"/>
+          </p:nvPr>
+        </p:nvSpPr>
+        <p:spPr/>
+        <p:txBody>
+          <a:bodyPr/>
+          <a:lstStyle/>
+          <a:p>
+            <a:endParaRPr lang="zh-TW" altLang="en-US"/>
+          </a:p>
+        </p:txBody>
+      </p:sp>
+      <p:sp>
+        <p:nvSpPr>
+          <p:cNvPr id="3" name="內容版面配置區 2"/>
+          <p:cNvSpPr>
+            <a:spLocks noGrp="1"/>
+          </p:cNvSpPr>
+          <p:nvPr>
+            <p:ph idx="1"/>
+          </p:nvPr>
+        </p:nvSpPr>
+        <p:spPr/>
+        <p:txBody>
+          <a:bodyPr/>
+          <a:lstStyle/>
+          <a:p>
+            <a:r>
+              <a:rPr lang="en-US" altLang="zh-TW" smtClean="0"/>
+              <a:t>AAA</a:t>
+            </a:r>
+            <a:endParaRPr lang="zh-TW" altLang="en-US"/>
+          </a:p>
+        </p:txBody>
+      </p:sp>
+      <p:sp>
+        <p:nvSpPr>
+          <p:cNvPr id="4" name="投影片編號版面配置區 3"/>
+          <p:cNvSpPr>
+            <a:spLocks noGrp="1"/>
+          </p:cNvSpPr>
+          <p:nvPr>
+            <p:ph type="sldNum" sz="quarter" idx="12"/>
+          </p:nvPr>
+        </p:nvSpPr>
+        <p:spPr/>
+        <p:txBody>
+          <a:bodyPr/>
+          <a:lstStyle/>
+          <a:p>
+            <a:fld id="{458270D0-B830-4E87-A9C7-B662AFD560B4}" type="slidenum">
+              <a:rPr lang="zh-TW" altLang="en-US" smtClean="0"/>
+              <a:t>16</a:t>
+            </a:fld>
+            <a:endParaRPr lang="zh-TW" altLang="en-US"/>
+          </a:p>
+        </p:txBody>
+      </p:sp>
+    </p:spTree>
+    <p:extLst>
+      <p:ext uri="{BB962C8B-B14F-4D97-AF65-F5344CB8AC3E}">
+        <p14:creationId xmlns:p14="http://schemas.microsoft.com/office/powerpoint/2010/main" val="3259364467"/>
+      </p:ext>
+    </p:extLst>
+  </p:cSld>
+  <p:clrMapOvr>
+    <a:masterClrMapping/>
+  </p:clrMapOvr>
+</p:sld>
+</file>
+
+<file path=ppt/slides/slide17.xml><?xml version="1.0" encoding="utf-8"?>
 <p:sld xmlns:a="http://schemas.openxmlformats.org/drawingml/2006/main" xmlns:r="http://schemas.openxmlformats.org/officeDocument/2006/relationships" xmlns:p="http://schemas.openxmlformats.org/presentationml/2006/main">
   <p:cSld>
     <p:spTree>

--- a/1999問題分類器.pptx
+++ b/1999問題分類器.pptx
@@ -21,9 +21,9 @@
     <p:sldId id="261" r:id="rId12"/>
     <p:sldId id="266" r:id="rId13"/>
     <p:sldId id="264" r:id="rId14"/>
-    <p:sldId id="267" r:id="rId15"/>
-    <p:sldId id="274" r:id="rId16"/>
-    <p:sldId id="275" r:id="rId17"/>
+    <p:sldId id="275" r:id="rId15"/>
+    <p:sldId id="267" r:id="rId16"/>
+    <p:sldId id="274" r:id="rId17"/>
     <p:sldId id="260" r:id="rId18"/>
   </p:sldIdLst>
   <p:sldSz cx="9144000" cy="5143500" type="screen16x9"/>
@@ -125,7 +125,7 @@
   </p:defaultTextStyle>
   <p:extLst>
     <p:ext uri="{EFAFB233-063F-42B5-8137-9DF3F51BA10A}">
-      <p15:sldGuideLst xmlns:p15="http://schemas.microsoft.com/office/powerpoint/2012/main">
+      <p15:sldGuideLst xmlns:p15="http://schemas.microsoft.com/office/powerpoint/2012/main" xmlns="">
         <p15:guide id="1" orient="horz" pos="1620">
           <p15:clr>
             <a:srgbClr val="A4A3A4"/>
@@ -4346,14 +4346,14 @@
           <a:lstStyle/>
           <a:p>
             <a:r>
-              <a:rPr lang="zh-TW" altLang="en-US" dirty="0" smtClean="0">
+              <a:rPr lang="zh-TW" altLang="en-US" dirty="0">
                 <a:solidFill>
                   <a:schemeClr val="bg2">
                     <a:lumMod val="50000"/>
                   </a:schemeClr>
                 </a:solidFill>
               </a:rPr>
-              <a:t>市民安全與便民服務</a:t>
+              <a:t>消費支出與生活品質</a:t>
             </a:r>
             <a:endParaRPr lang="zh-TW" altLang="en-US" dirty="0">
               <a:solidFill>
@@ -4687,14 +4687,14 @@
                 <a:gridCol w="3756221">
                   <a:extLst>
                     <a:ext uri="{9D8B030D-6E8A-4147-A177-3AD203B41FA5}">
-                      <a16:colId xmlns:a16="http://schemas.microsoft.com/office/drawing/2014/main" val="20000"/>
+                      <a16:colId xmlns:a16="http://schemas.microsoft.com/office/drawing/2014/main" xmlns="" val="20000"/>
                     </a:ext>
                   </a:extLst>
                 </a:gridCol>
                 <a:gridCol w="2436467">
                   <a:extLst>
                     <a:ext uri="{9D8B030D-6E8A-4147-A177-3AD203B41FA5}">
-                      <a16:colId xmlns:a16="http://schemas.microsoft.com/office/drawing/2014/main" val="20001"/>
+                      <a16:colId xmlns:a16="http://schemas.microsoft.com/office/drawing/2014/main" xmlns="" val="20001"/>
                     </a:ext>
                   </a:extLst>
                 </a:gridCol>
@@ -4762,7 +4762,7 @@
                 </a:tc>
                 <a:extLst>
                   <a:ext uri="{0D108BD9-81ED-4DB2-BD59-A6C34878D82A}">
-                    <a16:rowId xmlns:a16="http://schemas.microsoft.com/office/drawing/2014/main" val="10000"/>
+                    <a16:rowId xmlns:a16="http://schemas.microsoft.com/office/drawing/2014/main" xmlns="" val="10000"/>
                   </a:ext>
                 </a:extLst>
               </a:tr>
@@ -4829,7 +4829,7 @@
                 </a:tc>
                 <a:extLst>
                   <a:ext uri="{0D108BD9-81ED-4DB2-BD59-A6C34878D82A}">
-                    <a16:rowId xmlns:a16="http://schemas.microsoft.com/office/drawing/2014/main" val="10001"/>
+                    <a16:rowId xmlns:a16="http://schemas.microsoft.com/office/drawing/2014/main" xmlns="" val="10001"/>
                   </a:ext>
                 </a:extLst>
               </a:tr>
@@ -4896,7 +4896,7 @@
                 </a:tc>
                 <a:extLst>
                   <a:ext uri="{0D108BD9-81ED-4DB2-BD59-A6C34878D82A}">
-                    <a16:rowId xmlns:a16="http://schemas.microsoft.com/office/drawing/2014/main" val="10002"/>
+                    <a16:rowId xmlns:a16="http://schemas.microsoft.com/office/drawing/2014/main" xmlns="" val="10002"/>
                   </a:ext>
                 </a:extLst>
               </a:tr>
@@ -4963,7 +4963,7 @@
                 </a:tc>
                 <a:extLst>
                   <a:ext uri="{0D108BD9-81ED-4DB2-BD59-A6C34878D82A}">
-                    <a16:rowId xmlns:a16="http://schemas.microsoft.com/office/drawing/2014/main" val="10003"/>
+                    <a16:rowId xmlns:a16="http://schemas.microsoft.com/office/drawing/2014/main" xmlns="" val="10003"/>
                   </a:ext>
                 </a:extLst>
               </a:tr>
@@ -5266,6 +5266,2124 @@
       </p:grpSpPr>
       <p:sp>
         <p:nvSpPr>
+          <p:cNvPr id="2" name="標題 1"/>
+          <p:cNvSpPr>
+            <a:spLocks noGrp="1"/>
+          </p:cNvSpPr>
+          <p:nvPr>
+            <p:ph type="title"/>
+          </p:nvPr>
+        </p:nvSpPr>
+        <p:spPr/>
+        <p:txBody>
+          <a:bodyPr/>
+          <a:lstStyle/>
+          <a:p>
+            <a:r>
+              <a:rPr lang="en-US" altLang="zh-TW" dirty="0" smtClean="0"/>
+              <a:t>XGB</a:t>
+            </a:r>
+            <a:r>
+              <a:rPr lang="zh-TW" altLang="en-US" dirty="0" smtClean="0"/>
+              <a:t>錯誤分析</a:t>
+            </a:r>
+            <a:endParaRPr lang="zh-TW" altLang="en-US" dirty="0"/>
+          </a:p>
+        </p:txBody>
+      </p:sp>
+      <p:sp>
+        <p:nvSpPr>
+          <p:cNvPr id="4" name="投影片編號版面配置區 3"/>
+          <p:cNvSpPr>
+            <a:spLocks noGrp="1"/>
+          </p:cNvSpPr>
+          <p:nvPr>
+            <p:ph type="sldNum" sz="quarter" idx="12"/>
+          </p:nvPr>
+        </p:nvSpPr>
+        <p:spPr/>
+        <p:txBody>
+          <a:bodyPr/>
+          <a:lstStyle/>
+          <a:p>
+            <a:fld id="{458270D0-B830-4E87-A9C7-B662AFD560B4}" type="slidenum">
+              <a:rPr lang="zh-TW" altLang="en-US" smtClean="0"/>
+              <a:t>14</a:t>
+            </a:fld>
+            <a:endParaRPr lang="zh-TW" altLang="en-US"/>
+          </a:p>
+        </p:txBody>
+      </p:sp>
+      <p:graphicFrame>
+        <p:nvGraphicFramePr>
+          <p:cNvPr id="5" name="表格 4"/>
+          <p:cNvGraphicFramePr>
+            <a:graphicFrameLocks noGrp="1"/>
+          </p:cNvGraphicFramePr>
+          <p:nvPr>
+            <p:extLst>
+              <p:ext uri="{D42A27DB-BD31-4B8C-83A1-F6EECF244321}">
+                <p14:modId xmlns:p14="http://schemas.microsoft.com/office/powerpoint/2010/main" val="1748816311"/>
+              </p:ext>
+            </p:extLst>
+          </p:nvPr>
+        </p:nvGraphicFramePr>
+        <p:xfrm>
+          <a:off x="107504" y="987574"/>
+          <a:ext cx="9001000" cy="4129533"/>
+        </p:xfrm>
+        <a:graphic>
+          <a:graphicData uri="http://schemas.openxmlformats.org/drawingml/2006/table">
+            <a:tbl>
+              <a:tblPr>
+                <a:tableStyleId>{793D81CF-94F2-401A-BA57-92F5A7B2D0C5}</a:tableStyleId>
+              </a:tblPr>
+              <a:tblGrid>
+                <a:gridCol w="4752528"/>
+                <a:gridCol w="2346752"/>
+                <a:gridCol w="1901720"/>
+              </a:tblGrid>
+              <a:tr h="288032">
+                <a:tc>
+                  <a:txBody>
+                    <a:bodyPr/>
+                    <a:lstStyle/>
+                    <a:p>
+                      <a:pPr marL="36000" algn="ctr" fontAlgn="ctr">
+                        <a:spcBef>
+                          <a:spcPts val="0"/>
+                        </a:spcBef>
+                      </a:pPr>
+                      <a:r>
+                        <a:rPr lang="en-US" altLang="zh-TW" sz="1300" b="1" u="none" strike="noStrike" dirty="0" smtClean="0">
+                          <a:solidFill>
+                            <a:schemeClr val="bg1"/>
+                          </a:solidFill>
+                          <a:effectLst/>
+                          <a:latin typeface="微軟正黑體" pitchFamily="34" charset="-120"/>
+                          <a:ea typeface="微軟正黑體" pitchFamily="34" charset="-120"/>
+                        </a:rPr>
+                        <a:t>Q</a:t>
+                      </a:r>
+                      <a:r>
+                        <a:rPr lang="en-US" sz="1300" b="1" u="none" strike="noStrike" dirty="0" smtClean="0">
+                          <a:solidFill>
+                            <a:schemeClr val="bg1"/>
+                          </a:solidFill>
+                          <a:effectLst/>
+                          <a:latin typeface="微軟正黑體" pitchFamily="34" charset="-120"/>
+                          <a:ea typeface="微軟正黑體" pitchFamily="34" charset="-120"/>
+                        </a:rPr>
+                        <a:t>uestion</a:t>
+                      </a:r>
+                      <a:endParaRPr lang="en-US" sz="1300" b="1" i="0" u="none" strike="noStrike" dirty="0">
+                        <a:solidFill>
+                          <a:schemeClr val="bg1"/>
+                        </a:solidFill>
+                        <a:effectLst/>
+                        <a:latin typeface="微軟正黑體" pitchFamily="34" charset="-120"/>
+                        <a:ea typeface="微軟正黑體" pitchFamily="34" charset="-120"/>
+                      </a:endParaRPr>
+                    </a:p>
+                  </a:txBody>
+                  <a:tcPr marL="2911" marR="2911" marT="2911" marB="0" anchor="ctr">
+                    <a:lnR w="12700" cap="flat" cmpd="sng" algn="ctr">
+                      <a:solidFill>
+                        <a:schemeClr val="bg1"/>
+                      </a:solidFill>
+                      <a:prstDash val="solid"/>
+                      <a:round/>
+                      <a:headEnd type="none" w="med" len="med"/>
+                      <a:tailEnd type="none" w="med" len="med"/>
+                    </a:lnR>
+                    <a:solidFill>
+                      <a:schemeClr val="tx1"/>
+                    </a:solidFill>
+                  </a:tcPr>
+                </a:tc>
+                <a:tc>
+                  <a:txBody>
+                    <a:bodyPr/>
+                    <a:lstStyle/>
+                    <a:p>
+                      <a:pPr marL="36000" algn="ctr" fontAlgn="ctr">
+                        <a:spcBef>
+                          <a:spcPts val="0"/>
+                        </a:spcBef>
+                      </a:pPr>
+                      <a:r>
+                        <a:rPr lang="en-US" sz="1300" b="1" u="none" strike="noStrike" dirty="0" smtClean="0">
+                          <a:solidFill>
+                            <a:schemeClr val="bg1"/>
+                          </a:solidFill>
+                          <a:effectLst/>
+                          <a:latin typeface="微軟正黑體" pitchFamily="34" charset="-120"/>
+                          <a:ea typeface="微軟正黑體" pitchFamily="34" charset="-120"/>
+                        </a:rPr>
+                        <a:t>Cat</a:t>
+                      </a:r>
+                      <a:endParaRPr lang="en-US" sz="1300" b="1" i="0" u="none" strike="noStrike" dirty="0">
+                        <a:solidFill>
+                          <a:schemeClr val="bg1"/>
+                        </a:solidFill>
+                        <a:effectLst/>
+                        <a:latin typeface="微軟正黑體" pitchFamily="34" charset="-120"/>
+                        <a:ea typeface="微軟正黑體" pitchFamily="34" charset="-120"/>
+                      </a:endParaRPr>
+                    </a:p>
+                  </a:txBody>
+                  <a:tcPr marL="2911" marR="2911" marT="2911" marB="0" anchor="ctr">
+                    <a:lnL w="12700" cap="flat" cmpd="sng" algn="ctr">
+                      <a:solidFill>
+                        <a:schemeClr val="bg1"/>
+                      </a:solidFill>
+                      <a:prstDash val="solid"/>
+                      <a:round/>
+                      <a:headEnd type="none" w="med" len="med"/>
+                      <a:tailEnd type="none" w="med" len="med"/>
+                    </a:lnL>
+                    <a:lnR w="12700" cap="flat" cmpd="sng" algn="ctr">
+                      <a:solidFill>
+                        <a:schemeClr val="bg1"/>
+                      </a:solidFill>
+                      <a:prstDash val="solid"/>
+                      <a:round/>
+                      <a:headEnd type="none" w="med" len="med"/>
+                      <a:tailEnd type="none" w="med" len="med"/>
+                    </a:lnR>
+                    <a:solidFill>
+                      <a:schemeClr val="tx1"/>
+                    </a:solidFill>
+                  </a:tcPr>
+                </a:tc>
+                <a:tc>
+                  <a:txBody>
+                    <a:bodyPr/>
+                    <a:lstStyle/>
+                    <a:p>
+                      <a:pPr marL="36000" algn="ctr" fontAlgn="ctr">
+                        <a:spcBef>
+                          <a:spcPts val="0"/>
+                        </a:spcBef>
+                      </a:pPr>
+                      <a:r>
+                        <a:rPr lang="en-US" altLang="zh-TW" sz="1300" b="1" u="none" strike="noStrike" dirty="0" err="1" smtClean="0">
+                          <a:solidFill>
+                            <a:schemeClr val="bg1"/>
+                          </a:solidFill>
+                          <a:effectLst/>
+                          <a:latin typeface="微軟正黑體" pitchFamily="34" charset="-120"/>
+                          <a:ea typeface="微軟正黑體" pitchFamily="34" charset="-120"/>
+                        </a:rPr>
+                        <a:t>P</a:t>
+                      </a:r>
+                      <a:r>
+                        <a:rPr lang="en-US" sz="1300" b="1" u="none" strike="noStrike" dirty="0" err="1" smtClean="0">
+                          <a:solidFill>
+                            <a:schemeClr val="bg1"/>
+                          </a:solidFill>
+                          <a:effectLst/>
+                          <a:latin typeface="微軟正黑體" pitchFamily="34" charset="-120"/>
+                          <a:ea typeface="微軟正黑體" pitchFamily="34" charset="-120"/>
+                        </a:rPr>
+                        <a:t>red</a:t>
+                      </a:r>
+                      <a:endParaRPr lang="en-US" sz="1300" b="1" i="0" u="none" strike="noStrike" dirty="0">
+                        <a:solidFill>
+                          <a:schemeClr val="bg1"/>
+                        </a:solidFill>
+                        <a:effectLst/>
+                        <a:latin typeface="微軟正黑體" pitchFamily="34" charset="-120"/>
+                        <a:ea typeface="微軟正黑體" pitchFamily="34" charset="-120"/>
+                      </a:endParaRPr>
+                    </a:p>
+                  </a:txBody>
+                  <a:tcPr marL="2911" marR="2911" marT="2911" marB="0" anchor="ctr">
+                    <a:lnL w="12700" cap="flat" cmpd="sng" algn="ctr">
+                      <a:solidFill>
+                        <a:schemeClr val="bg1"/>
+                      </a:solidFill>
+                      <a:prstDash val="solid"/>
+                      <a:round/>
+                      <a:headEnd type="none" w="med" len="med"/>
+                      <a:tailEnd type="none" w="med" len="med"/>
+                    </a:lnL>
+                    <a:solidFill>
+                      <a:schemeClr val="tx1"/>
+                    </a:solidFill>
+                  </a:tcPr>
+                </a:tc>
+              </a:tr>
+              <a:tr h="527339">
+                <a:tc>
+                  <a:txBody>
+                    <a:bodyPr/>
+                    <a:lstStyle/>
+                    <a:p>
+                      <a:pPr marL="36000" algn="l" fontAlgn="ctr">
+                        <a:spcBef>
+                          <a:spcPts val="0"/>
+                        </a:spcBef>
+                      </a:pPr>
+                      <a:r>
+                        <a:rPr lang="zh-TW" altLang="en-US" sz="1300" u="none" strike="noStrike" dirty="0">
+                          <a:effectLst/>
+                          <a:latin typeface="微軟正黑體" pitchFamily="34" charset="-120"/>
+                          <a:ea typeface="微軟正黑體" pitchFamily="34" charset="-120"/>
+                        </a:rPr>
+                        <a:t>請問親子館位置</a:t>
+                      </a:r>
+                      <a:r>
+                        <a:rPr lang="en-US" altLang="zh-TW" sz="1300" u="none" strike="noStrike" dirty="0">
+                          <a:effectLst/>
+                          <a:latin typeface="微軟正黑體" pitchFamily="34" charset="-120"/>
+                          <a:ea typeface="微軟正黑體" pitchFamily="34" charset="-120"/>
+                        </a:rPr>
+                        <a:t>?</a:t>
+                      </a:r>
+                      <a:r>
+                        <a:rPr lang="zh-TW" altLang="en-US" sz="1300" u="none" strike="noStrike" dirty="0">
+                          <a:effectLst/>
+                          <a:latin typeface="微軟正黑體" pitchFamily="34" charset="-120"/>
+                          <a:ea typeface="微軟正黑體" pitchFamily="34" charset="-120"/>
+                        </a:rPr>
+                        <a:t>館內設施及服務</a:t>
+                      </a:r>
+                      <a:r>
+                        <a:rPr lang="en-US" altLang="zh-TW" sz="1300" u="none" strike="noStrike" dirty="0">
+                          <a:effectLst/>
+                          <a:latin typeface="微軟正黑體" pitchFamily="34" charset="-120"/>
+                          <a:ea typeface="微軟正黑體" pitchFamily="34" charset="-120"/>
+                        </a:rPr>
+                        <a:t>?</a:t>
+                      </a:r>
+                      <a:r>
+                        <a:rPr lang="zh-TW" altLang="en-US" sz="1300" u="none" strike="noStrike" dirty="0">
+                          <a:effectLst/>
+                          <a:latin typeface="微軟正黑體" pitchFamily="34" charset="-120"/>
+                          <a:ea typeface="微軟正黑體" pitchFamily="34" charset="-120"/>
+                        </a:rPr>
+                        <a:t>會員申請方式</a:t>
+                      </a:r>
+                      <a:r>
+                        <a:rPr lang="en-US" altLang="zh-TW" sz="1300" u="none" strike="noStrike" dirty="0">
+                          <a:effectLst/>
+                          <a:latin typeface="微軟正黑體" pitchFamily="34" charset="-120"/>
+                          <a:ea typeface="微軟正黑體" pitchFamily="34" charset="-120"/>
+                        </a:rPr>
+                        <a:t>?</a:t>
+                      </a:r>
+                      <a:r>
+                        <a:rPr lang="zh-TW" altLang="en-US" sz="1300" u="none" strike="noStrike" dirty="0">
+                          <a:effectLst/>
+                          <a:latin typeface="微軟正黑體" pitchFamily="34" charset="-120"/>
+                          <a:ea typeface="微軟正黑體" pitchFamily="34" charset="-120"/>
+                        </a:rPr>
+                        <a:t>預約課程及活動</a:t>
+                      </a:r>
+                      <a:r>
+                        <a:rPr lang="en-US" altLang="zh-TW" sz="1300" u="none" strike="noStrike" dirty="0">
+                          <a:effectLst/>
+                          <a:latin typeface="微軟正黑體" pitchFamily="34" charset="-120"/>
+                          <a:ea typeface="微軟正黑體" pitchFamily="34" charset="-120"/>
+                        </a:rPr>
+                        <a:t>?</a:t>
+                      </a:r>
+                      <a:r>
+                        <a:rPr lang="zh-TW" altLang="en-US" sz="1300" u="none" strike="noStrike" dirty="0">
+                          <a:effectLst/>
+                          <a:latin typeface="微軟正黑體" pitchFamily="34" charset="-120"/>
+                          <a:ea typeface="微軟正黑體" pitchFamily="34" charset="-120"/>
+                        </a:rPr>
+                        <a:t>開放時間</a:t>
+                      </a:r>
+                      <a:r>
+                        <a:rPr lang="en-US" altLang="zh-TW" sz="1300" u="none" strike="noStrike" dirty="0">
+                          <a:effectLst/>
+                          <a:latin typeface="微軟正黑體" pitchFamily="34" charset="-120"/>
+                          <a:ea typeface="微軟正黑體" pitchFamily="34" charset="-120"/>
+                        </a:rPr>
+                        <a:t>?</a:t>
+                      </a:r>
+                      <a:endParaRPr lang="en-US" altLang="zh-TW" sz="1300" b="0" i="0" u="none" strike="noStrike" dirty="0">
+                        <a:solidFill>
+                          <a:srgbClr val="000000"/>
+                        </a:solidFill>
+                        <a:effectLst/>
+                        <a:latin typeface="微軟正黑體" pitchFamily="34" charset="-120"/>
+                        <a:ea typeface="微軟正黑體" pitchFamily="34" charset="-120"/>
+                      </a:endParaRPr>
+                    </a:p>
+                  </a:txBody>
+                  <a:tcPr marL="2911" marR="2911" marT="2911" marB="0" anchor="ctr">
+                    <a:lnR w="12700" cap="flat" cmpd="sng" algn="ctr">
+                      <a:solidFill>
+                        <a:schemeClr val="bg1"/>
+                      </a:solidFill>
+                      <a:prstDash val="solid"/>
+                      <a:round/>
+                      <a:headEnd type="none" w="med" len="med"/>
+                      <a:tailEnd type="none" w="med" len="med"/>
+                    </a:lnR>
+                    <a:solidFill>
+                      <a:schemeClr val="accent3">
+                        <a:lumMod val="60000"/>
+                        <a:lumOff val="40000"/>
+                      </a:schemeClr>
+                    </a:solidFill>
+                  </a:tcPr>
+                </a:tc>
+                <a:tc>
+                  <a:txBody>
+                    <a:bodyPr/>
+                    <a:lstStyle/>
+                    <a:p>
+                      <a:pPr marL="36000" algn="l" fontAlgn="ctr">
+                        <a:spcBef>
+                          <a:spcPts val="0"/>
+                        </a:spcBef>
+                      </a:pPr>
+                      <a:r>
+                        <a:rPr lang="zh-TW" altLang="en-US" sz="1300" u="none" strike="noStrike" dirty="0">
+                          <a:effectLst/>
+                          <a:latin typeface="微軟正黑體" pitchFamily="34" charset="-120"/>
+                          <a:ea typeface="微軟正黑體" pitchFamily="34" charset="-120"/>
+                        </a:rPr>
+                        <a:t>幼兒福利及托育服務</a:t>
+                      </a:r>
+                      <a:endParaRPr lang="zh-TW" altLang="en-US" sz="1300" b="0" i="0" u="none" strike="noStrike" dirty="0">
+                        <a:solidFill>
+                          <a:srgbClr val="000000"/>
+                        </a:solidFill>
+                        <a:effectLst/>
+                        <a:latin typeface="微軟正黑體" pitchFamily="34" charset="-120"/>
+                        <a:ea typeface="微軟正黑體" pitchFamily="34" charset="-120"/>
+                      </a:endParaRPr>
+                    </a:p>
+                  </a:txBody>
+                  <a:tcPr marL="2911" marR="2911" marT="2911" marB="0" anchor="ctr">
+                    <a:lnL w="12700" cap="flat" cmpd="sng" algn="ctr">
+                      <a:solidFill>
+                        <a:schemeClr val="bg1"/>
+                      </a:solidFill>
+                      <a:prstDash val="solid"/>
+                      <a:round/>
+                      <a:headEnd type="none" w="med" len="med"/>
+                      <a:tailEnd type="none" w="med" len="med"/>
+                    </a:lnL>
+                    <a:lnR w="12700" cap="flat" cmpd="sng" algn="ctr">
+                      <a:solidFill>
+                        <a:schemeClr val="bg1"/>
+                      </a:solidFill>
+                      <a:prstDash val="solid"/>
+                      <a:round/>
+                      <a:headEnd type="none" w="med" len="med"/>
+                      <a:tailEnd type="none" w="med" len="med"/>
+                    </a:lnR>
+                    <a:solidFill>
+                      <a:schemeClr val="accent3">
+                        <a:lumMod val="60000"/>
+                        <a:lumOff val="40000"/>
+                      </a:schemeClr>
+                    </a:solidFill>
+                  </a:tcPr>
+                </a:tc>
+                <a:tc>
+                  <a:txBody>
+                    <a:bodyPr/>
+                    <a:lstStyle/>
+                    <a:p>
+                      <a:pPr marL="36000" algn="l" fontAlgn="ctr">
+                        <a:spcBef>
+                          <a:spcPts val="0"/>
+                        </a:spcBef>
+                      </a:pPr>
+                      <a:r>
+                        <a:rPr lang="zh-TW" altLang="en-US" sz="1300" u="none" strike="noStrike" dirty="0">
+                          <a:effectLst/>
+                          <a:latin typeface="微軟正黑體" pitchFamily="34" charset="-120"/>
+                          <a:ea typeface="微軟正黑體" pitchFamily="34" charset="-120"/>
+                        </a:rPr>
+                        <a:t>婦女福利</a:t>
+                      </a:r>
+                      <a:endParaRPr lang="zh-TW" altLang="en-US" sz="1300" b="0" i="0" u="none" strike="noStrike" dirty="0">
+                        <a:solidFill>
+                          <a:srgbClr val="000000"/>
+                        </a:solidFill>
+                        <a:effectLst/>
+                        <a:latin typeface="微軟正黑體" pitchFamily="34" charset="-120"/>
+                        <a:ea typeface="微軟正黑體" pitchFamily="34" charset="-120"/>
+                      </a:endParaRPr>
+                    </a:p>
+                  </a:txBody>
+                  <a:tcPr marL="2911" marR="2911" marT="2911" marB="0" anchor="ctr">
+                    <a:lnL w="12700" cap="flat" cmpd="sng" algn="ctr">
+                      <a:solidFill>
+                        <a:schemeClr val="bg1"/>
+                      </a:solidFill>
+                      <a:prstDash val="solid"/>
+                      <a:round/>
+                      <a:headEnd type="none" w="med" len="med"/>
+                      <a:tailEnd type="none" w="med" len="med"/>
+                    </a:lnL>
+                    <a:solidFill>
+                      <a:schemeClr val="accent3">
+                        <a:lumMod val="60000"/>
+                        <a:lumOff val="40000"/>
+                      </a:schemeClr>
+                    </a:solidFill>
+                  </a:tcPr>
+                </a:tc>
+              </a:tr>
+              <a:tr h="469083">
+                <a:tc>
+                  <a:txBody>
+                    <a:bodyPr/>
+                    <a:lstStyle/>
+                    <a:p>
+                      <a:pPr marL="36000" algn="l" fontAlgn="ctr">
+                        <a:spcBef>
+                          <a:spcPts val="0"/>
+                        </a:spcBef>
+                      </a:pPr>
+                      <a:r>
+                        <a:rPr lang="zh-TW" altLang="en-US" sz="1300" u="none" strike="noStrike" dirty="0">
+                          <a:effectLst/>
+                          <a:latin typeface="微軟正黑體" pitchFamily="34" charset="-120"/>
+                          <a:ea typeface="微軟正黑體" pitchFamily="34" charset="-120"/>
+                        </a:rPr>
+                        <a:t>如何查詢新竹巿親子館「新手父母教室」的課程內容及上</a:t>
+                      </a:r>
+                      <a:r>
+                        <a:rPr lang="zh-TW" altLang="en-US" sz="1300" u="none" strike="noStrike" dirty="0" smtClean="0">
+                          <a:effectLst/>
+                          <a:latin typeface="微軟正黑體" pitchFamily="34" charset="-120"/>
+                          <a:ea typeface="微軟正黑體" pitchFamily="34" charset="-120"/>
+                        </a:rPr>
+                        <a:t>課時</a:t>
+                      </a:r>
+                      <a:endParaRPr lang="en-US" altLang="zh-TW" sz="1300" u="none" strike="noStrike" dirty="0" smtClean="0">
+                        <a:effectLst/>
+                        <a:latin typeface="微軟正黑體" pitchFamily="34" charset="-120"/>
+                        <a:ea typeface="微軟正黑體" pitchFamily="34" charset="-120"/>
+                      </a:endParaRPr>
+                    </a:p>
+                    <a:p>
+                      <a:pPr marL="36000" algn="l" fontAlgn="ctr">
+                        <a:spcBef>
+                          <a:spcPts val="0"/>
+                        </a:spcBef>
+                      </a:pPr>
+                      <a:r>
+                        <a:rPr lang="zh-TW" altLang="en-US" sz="1300" u="none" strike="noStrike" dirty="0" smtClean="0">
+                          <a:effectLst/>
+                          <a:latin typeface="微軟正黑體" pitchFamily="34" charset="-120"/>
+                          <a:ea typeface="微軟正黑體" pitchFamily="34" charset="-120"/>
+                        </a:rPr>
+                        <a:t>間</a:t>
+                      </a:r>
+                      <a:r>
+                        <a:rPr lang="en-US" altLang="zh-TW" sz="1300" u="none" strike="noStrike" dirty="0">
+                          <a:effectLst/>
+                          <a:latin typeface="微軟正黑體" pitchFamily="34" charset="-120"/>
+                          <a:ea typeface="微軟正黑體" pitchFamily="34" charset="-120"/>
+                        </a:rPr>
+                        <a:t>?</a:t>
+                      </a:r>
+                      <a:r>
+                        <a:rPr lang="zh-TW" altLang="en-US" sz="1300" u="none" strike="noStrike" dirty="0">
+                          <a:effectLst/>
+                          <a:latin typeface="微軟正黑體" pitchFamily="34" charset="-120"/>
+                          <a:ea typeface="微軟正黑體" pitchFamily="34" charset="-120"/>
+                        </a:rPr>
+                        <a:t>如何報名</a:t>
+                      </a:r>
+                      <a:endParaRPr lang="zh-TW" altLang="en-US" sz="1300" b="0" i="0" u="none" strike="noStrike" dirty="0">
+                        <a:solidFill>
+                          <a:srgbClr val="000000"/>
+                        </a:solidFill>
+                        <a:effectLst/>
+                        <a:latin typeface="微軟正黑體" pitchFamily="34" charset="-120"/>
+                        <a:ea typeface="微軟正黑體" pitchFamily="34" charset="-120"/>
+                      </a:endParaRPr>
+                    </a:p>
+                  </a:txBody>
+                  <a:tcPr marL="2911" marR="2911" marT="2911" marB="0" anchor="ctr">
+                    <a:lnR w="12700" cap="flat" cmpd="sng" algn="ctr">
+                      <a:solidFill>
+                        <a:schemeClr val="bg1"/>
+                      </a:solidFill>
+                      <a:prstDash val="solid"/>
+                      <a:round/>
+                      <a:headEnd type="none" w="med" len="med"/>
+                      <a:tailEnd type="none" w="med" len="med"/>
+                    </a:lnR>
+                    <a:solidFill>
+                      <a:schemeClr val="accent3">
+                        <a:lumMod val="60000"/>
+                        <a:lumOff val="40000"/>
+                      </a:schemeClr>
+                    </a:solidFill>
+                  </a:tcPr>
+                </a:tc>
+                <a:tc>
+                  <a:txBody>
+                    <a:bodyPr/>
+                    <a:lstStyle/>
+                    <a:p>
+                      <a:pPr marL="36000" algn="l" fontAlgn="ctr">
+                        <a:spcBef>
+                          <a:spcPts val="0"/>
+                        </a:spcBef>
+                      </a:pPr>
+                      <a:r>
+                        <a:rPr lang="zh-TW" altLang="en-US" sz="1300" u="none" strike="noStrike" dirty="0">
+                          <a:effectLst/>
+                          <a:latin typeface="微軟正黑體" pitchFamily="34" charset="-120"/>
+                          <a:ea typeface="微軟正黑體" pitchFamily="34" charset="-120"/>
+                        </a:rPr>
+                        <a:t>幼兒福利及托育服務</a:t>
+                      </a:r>
+                      <a:endParaRPr lang="zh-TW" altLang="en-US" sz="1300" b="0" i="0" u="none" strike="noStrike" dirty="0">
+                        <a:solidFill>
+                          <a:srgbClr val="000000"/>
+                        </a:solidFill>
+                        <a:effectLst/>
+                        <a:latin typeface="微軟正黑體" pitchFamily="34" charset="-120"/>
+                        <a:ea typeface="微軟正黑體" pitchFamily="34" charset="-120"/>
+                      </a:endParaRPr>
+                    </a:p>
+                  </a:txBody>
+                  <a:tcPr marL="2911" marR="2911" marT="2911" marB="0" anchor="ctr">
+                    <a:lnL w="12700" cap="flat" cmpd="sng" algn="ctr">
+                      <a:solidFill>
+                        <a:schemeClr val="bg1"/>
+                      </a:solidFill>
+                      <a:prstDash val="solid"/>
+                      <a:round/>
+                      <a:headEnd type="none" w="med" len="med"/>
+                      <a:tailEnd type="none" w="med" len="med"/>
+                    </a:lnL>
+                    <a:lnR w="12700" cap="flat" cmpd="sng" algn="ctr">
+                      <a:solidFill>
+                        <a:schemeClr val="bg1"/>
+                      </a:solidFill>
+                      <a:prstDash val="solid"/>
+                      <a:round/>
+                      <a:headEnd type="none" w="med" len="med"/>
+                      <a:tailEnd type="none" w="med" len="med"/>
+                    </a:lnR>
+                    <a:solidFill>
+                      <a:schemeClr val="accent3">
+                        <a:lumMod val="60000"/>
+                        <a:lumOff val="40000"/>
+                      </a:schemeClr>
+                    </a:solidFill>
+                  </a:tcPr>
+                </a:tc>
+                <a:tc>
+                  <a:txBody>
+                    <a:bodyPr/>
+                    <a:lstStyle/>
+                    <a:p>
+                      <a:pPr marL="36000" algn="l" fontAlgn="ctr">
+                        <a:spcBef>
+                          <a:spcPts val="0"/>
+                        </a:spcBef>
+                      </a:pPr>
+                      <a:r>
+                        <a:rPr lang="zh-TW" altLang="en-US" sz="1300" u="none" strike="noStrike" dirty="0">
+                          <a:effectLst/>
+                          <a:latin typeface="微軟正黑體" pitchFamily="34" charset="-120"/>
+                          <a:ea typeface="微軟正黑體" pitchFamily="34" charset="-120"/>
+                        </a:rPr>
+                        <a:t>婦女福利</a:t>
+                      </a:r>
+                      <a:endParaRPr lang="zh-TW" altLang="en-US" sz="1300" b="0" i="0" u="none" strike="noStrike" dirty="0">
+                        <a:solidFill>
+                          <a:srgbClr val="000000"/>
+                        </a:solidFill>
+                        <a:effectLst/>
+                        <a:latin typeface="微軟正黑體" pitchFamily="34" charset="-120"/>
+                        <a:ea typeface="微軟正黑體" pitchFamily="34" charset="-120"/>
+                      </a:endParaRPr>
+                    </a:p>
+                  </a:txBody>
+                  <a:tcPr marL="2911" marR="2911" marT="2911" marB="0" anchor="ctr">
+                    <a:lnL w="12700" cap="flat" cmpd="sng" algn="ctr">
+                      <a:solidFill>
+                        <a:schemeClr val="bg1"/>
+                      </a:solidFill>
+                      <a:prstDash val="solid"/>
+                      <a:round/>
+                      <a:headEnd type="none" w="med" len="med"/>
+                      <a:tailEnd type="none" w="med" len="med"/>
+                    </a:lnL>
+                    <a:solidFill>
+                      <a:schemeClr val="accent3">
+                        <a:lumMod val="60000"/>
+                        <a:lumOff val="40000"/>
+                      </a:schemeClr>
+                    </a:solidFill>
+                  </a:tcPr>
+                </a:tc>
+              </a:tr>
+              <a:tr h="299722">
+                <a:tc>
+                  <a:txBody>
+                    <a:bodyPr/>
+                    <a:lstStyle/>
+                    <a:p>
+                      <a:pPr marL="36000" algn="l" fontAlgn="ctr">
+                        <a:spcBef>
+                          <a:spcPts val="0"/>
+                        </a:spcBef>
+                      </a:pPr>
+                      <a:r>
+                        <a:rPr lang="zh-TW" altLang="en-US" sz="1300" u="none" strike="noStrike" dirty="0">
+                          <a:effectLst/>
+                          <a:latin typeface="微軟正黑體" pitchFamily="34" charset="-120"/>
+                          <a:ea typeface="微軟正黑體" pitchFamily="34" charset="-120"/>
+                        </a:rPr>
+                        <a:t>離婚後孩子監護權歸我，還需要前夫的同意才能出養孩子嗎？</a:t>
+                      </a:r>
+                      <a:endParaRPr lang="zh-TW" altLang="en-US" sz="1300" b="0" i="0" u="none" strike="noStrike" dirty="0">
+                        <a:solidFill>
+                          <a:srgbClr val="000000"/>
+                        </a:solidFill>
+                        <a:effectLst/>
+                        <a:latin typeface="微軟正黑體" pitchFamily="34" charset="-120"/>
+                        <a:ea typeface="微軟正黑體" pitchFamily="34" charset="-120"/>
+                      </a:endParaRPr>
+                    </a:p>
+                  </a:txBody>
+                  <a:tcPr marL="2911" marR="2911" marT="2911" marB="0" anchor="ctr">
+                    <a:lnR w="12700" cap="flat" cmpd="sng" algn="ctr">
+                      <a:solidFill>
+                        <a:schemeClr val="bg1"/>
+                      </a:solidFill>
+                      <a:prstDash val="solid"/>
+                      <a:round/>
+                      <a:headEnd type="none" w="med" len="med"/>
+                      <a:tailEnd type="none" w="med" len="med"/>
+                    </a:lnR>
+                    <a:solidFill>
+                      <a:schemeClr val="accent3">
+                        <a:lumMod val="60000"/>
+                        <a:lumOff val="40000"/>
+                      </a:schemeClr>
+                    </a:solidFill>
+                  </a:tcPr>
+                </a:tc>
+                <a:tc>
+                  <a:txBody>
+                    <a:bodyPr/>
+                    <a:lstStyle/>
+                    <a:p>
+                      <a:pPr marL="36000" algn="l" fontAlgn="ctr">
+                        <a:spcBef>
+                          <a:spcPts val="0"/>
+                        </a:spcBef>
+                      </a:pPr>
+                      <a:r>
+                        <a:rPr lang="zh-TW" altLang="en-US" sz="1300" u="none" strike="noStrike" dirty="0">
+                          <a:effectLst/>
+                          <a:latin typeface="微軟正黑體" pitchFamily="34" charset="-120"/>
+                          <a:ea typeface="微軟正黑體" pitchFamily="34" charset="-120"/>
+                        </a:rPr>
+                        <a:t>兒童少年及家庭福利</a:t>
+                      </a:r>
+                      <a:endParaRPr lang="zh-TW" altLang="en-US" sz="1300" b="0" i="0" u="none" strike="noStrike" dirty="0">
+                        <a:solidFill>
+                          <a:srgbClr val="000000"/>
+                        </a:solidFill>
+                        <a:effectLst/>
+                        <a:latin typeface="微軟正黑體" pitchFamily="34" charset="-120"/>
+                        <a:ea typeface="微軟正黑體" pitchFamily="34" charset="-120"/>
+                      </a:endParaRPr>
+                    </a:p>
+                  </a:txBody>
+                  <a:tcPr marL="2911" marR="2911" marT="2911" marB="0" anchor="ctr">
+                    <a:lnL w="12700" cap="flat" cmpd="sng" algn="ctr">
+                      <a:solidFill>
+                        <a:schemeClr val="bg1"/>
+                      </a:solidFill>
+                      <a:prstDash val="solid"/>
+                      <a:round/>
+                      <a:headEnd type="none" w="med" len="med"/>
+                      <a:tailEnd type="none" w="med" len="med"/>
+                    </a:lnL>
+                    <a:lnR w="12700" cap="flat" cmpd="sng" algn="ctr">
+                      <a:solidFill>
+                        <a:schemeClr val="bg1"/>
+                      </a:solidFill>
+                      <a:prstDash val="solid"/>
+                      <a:round/>
+                      <a:headEnd type="none" w="med" len="med"/>
+                      <a:tailEnd type="none" w="med" len="med"/>
+                    </a:lnR>
+                    <a:solidFill>
+                      <a:schemeClr val="accent3">
+                        <a:lumMod val="60000"/>
+                        <a:lumOff val="40000"/>
+                      </a:schemeClr>
+                    </a:solidFill>
+                  </a:tcPr>
+                </a:tc>
+                <a:tc>
+                  <a:txBody>
+                    <a:bodyPr/>
+                    <a:lstStyle/>
+                    <a:p>
+                      <a:pPr marL="36000" algn="l" fontAlgn="ctr">
+                        <a:spcBef>
+                          <a:spcPts val="0"/>
+                        </a:spcBef>
+                      </a:pPr>
+                      <a:r>
+                        <a:rPr lang="zh-TW" altLang="en-US" sz="1300" u="none" strike="noStrike" dirty="0">
+                          <a:effectLst/>
+                          <a:latin typeface="微軟正黑體" pitchFamily="34" charset="-120"/>
+                          <a:ea typeface="微軟正黑體" pitchFamily="34" charset="-120"/>
+                        </a:rPr>
+                        <a:t>婦女福利</a:t>
+                      </a:r>
+                      <a:endParaRPr lang="zh-TW" altLang="en-US" sz="1300" b="0" i="0" u="none" strike="noStrike" dirty="0">
+                        <a:solidFill>
+                          <a:srgbClr val="000000"/>
+                        </a:solidFill>
+                        <a:effectLst/>
+                        <a:latin typeface="微軟正黑體" pitchFamily="34" charset="-120"/>
+                        <a:ea typeface="微軟正黑體" pitchFamily="34" charset="-120"/>
+                      </a:endParaRPr>
+                    </a:p>
+                  </a:txBody>
+                  <a:tcPr marL="2911" marR="2911" marT="2911" marB="0" anchor="ctr">
+                    <a:lnL w="12700" cap="flat" cmpd="sng" algn="ctr">
+                      <a:solidFill>
+                        <a:schemeClr val="bg1"/>
+                      </a:solidFill>
+                      <a:prstDash val="solid"/>
+                      <a:round/>
+                      <a:headEnd type="none" w="med" len="med"/>
+                      <a:tailEnd type="none" w="med" len="med"/>
+                    </a:lnL>
+                    <a:solidFill>
+                      <a:schemeClr val="accent3">
+                        <a:lumMod val="60000"/>
+                        <a:lumOff val="40000"/>
+                      </a:schemeClr>
+                    </a:solidFill>
+                  </a:tcPr>
+                </a:tc>
+              </a:tr>
+              <a:tr h="527339">
+                <a:tc>
+                  <a:txBody>
+                    <a:bodyPr/>
+                    <a:lstStyle/>
+                    <a:p>
+                      <a:pPr marL="36000" algn="l" fontAlgn="ctr">
+                        <a:spcBef>
+                          <a:spcPts val="0"/>
+                        </a:spcBef>
+                      </a:pPr>
+                      <a:r>
+                        <a:rPr lang="zh-TW" altLang="en-US" sz="1300" u="none" strike="noStrike" dirty="0">
+                          <a:effectLst/>
+                          <a:latin typeface="微軟正黑體" pitchFamily="34" charset="-120"/>
+                          <a:ea typeface="微軟正黑體" pitchFamily="34" charset="-120"/>
+                        </a:rPr>
+                        <a:t>請問免費法律諮詢及心理諮商服務項目</a:t>
+                      </a:r>
+                      <a:r>
+                        <a:rPr lang="en-US" altLang="zh-TW" sz="1300" u="none" strike="noStrike" dirty="0">
+                          <a:effectLst/>
+                          <a:latin typeface="微軟正黑體" pitchFamily="34" charset="-120"/>
+                          <a:ea typeface="微軟正黑體" pitchFamily="34" charset="-120"/>
+                        </a:rPr>
+                        <a:t>?</a:t>
+                      </a:r>
+                      <a:r>
+                        <a:rPr lang="zh-TW" altLang="en-US" sz="1300" u="none" strike="noStrike" dirty="0">
+                          <a:effectLst/>
+                          <a:latin typeface="微軟正黑體" pitchFamily="34" charset="-120"/>
+                          <a:ea typeface="微軟正黑體" pitchFamily="34" charset="-120"/>
+                        </a:rPr>
+                        <a:t>服務地點</a:t>
+                      </a:r>
+                      <a:r>
+                        <a:rPr lang="en-US" altLang="zh-TW" sz="1300" u="none" strike="noStrike" dirty="0">
+                          <a:effectLst/>
+                          <a:latin typeface="微軟正黑體" pitchFamily="34" charset="-120"/>
+                          <a:ea typeface="微軟正黑體" pitchFamily="34" charset="-120"/>
+                        </a:rPr>
+                        <a:t>?</a:t>
+                      </a:r>
+                      <a:r>
+                        <a:rPr lang="zh-TW" altLang="en-US" sz="1300" u="none" strike="noStrike" dirty="0">
+                          <a:effectLst/>
+                          <a:latin typeface="微軟正黑體" pitchFamily="34" charset="-120"/>
+                          <a:ea typeface="微軟正黑體" pitchFamily="34" charset="-120"/>
+                        </a:rPr>
+                        <a:t>服務</a:t>
+                      </a:r>
+                      <a:r>
+                        <a:rPr lang="zh-TW" altLang="en-US" sz="1300" u="none" strike="noStrike" dirty="0" smtClean="0">
+                          <a:effectLst/>
+                          <a:latin typeface="微軟正黑體" pitchFamily="34" charset="-120"/>
+                          <a:ea typeface="微軟正黑體" pitchFamily="34" charset="-120"/>
+                        </a:rPr>
+                        <a:t>時間 </a:t>
+                      </a:r>
+                      <a:r>
+                        <a:rPr lang="en-US" altLang="zh-TW" sz="1300" u="none" strike="noStrike" dirty="0" smtClean="0">
+                          <a:effectLst/>
+                          <a:latin typeface="微軟正黑體" pitchFamily="34" charset="-120"/>
+                          <a:ea typeface="微軟正黑體" pitchFamily="34" charset="-120"/>
+                        </a:rPr>
+                        <a:t>?</a:t>
+                      </a:r>
+                      <a:r>
+                        <a:rPr lang="zh-TW" altLang="en-US" sz="1300" u="none" strike="noStrike" dirty="0" smtClean="0">
+                          <a:effectLst/>
+                          <a:latin typeface="微軟正黑體" pitchFamily="34" charset="-120"/>
+                          <a:ea typeface="微軟正黑體" pitchFamily="34" charset="-120"/>
+                        </a:rPr>
+                        <a:t> 申請</a:t>
+                      </a:r>
+                      <a:r>
+                        <a:rPr lang="zh-TW" altLang="en-US" sz="1300" u="none" strike="noStrike" dirty="0">
+                          <a:effectLst/>
+                          <a:latin typeface="微軟正黑體" pitchFamily="34" charset="-120"/>
+                          <a:ea typeface="微軟正黑體" pitchFamily="34" charset="-120"/>
+                        </a:rPr>
+                        <a:t>資格</a:t>
+                      </a:r>
+                      <a:r>
+                        <a:rPr lang="en-US" altLang="zh-TW" sz="1300" u="none" strike="noStrike" dirty="0">
+                          <a:effectLst/>
+                          <a:latin typeface="微軟正黑體" pitchFamily="34" charset="-120"/>
+                          <a:ea typeface="微軟正黑體" pitchFamily="34" charset="-120"/>
+                        </a:rPr>
+                        <a:t>?</a:t>
+                      </a:r>
+                      <a:r>
+                        <a:rPr lang="zh-TW" altLang="en-US" sz="1300" u="none" strike="noStrike" dirty="0">
+                          <a:effectLst/>
+                          <a:latin typeface="微軟正黑體" pitchFamily="34" charset="-120"/>
+                          <a:ea typeface="微軟正黑體" pitchFamily="34" charset="-120"/>
+                        </a:rPr>
+                        <a:t>申請方式</a:t>
+                      </a:r>
+                      <a:r>
+                        <a:rPr lang="en-US" altLang="zh-TW" sz="1300" u="none" strike="noStrike" dirty="0">
+                          <a:effectLst/>
+                          <a:latin typeface="微軟正黑體" pitchFamily="34" charset="-120"/>
+                          <a:ea typeface="微軟正黑體" pitchFamily="34" charset="-120"/>
+                        </a:rPr>
+                        <a:t>?</a:t>
+                      </a:r>
+                      <a:endParaRPr lang="en-US" altLang="zh-TW" sz="1300" b="0" i="0" u="none" strike="noStrike" dirty="0">
+                        <a:solidFill>
+                          <a:srgbClr val="000000"/>
+                        </a:solidFill>
+                        <a:effectLst/>
+                        <a:latin typeface="微軟正黑體" pitchFamily="34" charset="-120"/>
+                        <a:ea typeface="微軟正黑體" pitchFamily="34" charset="-120"/>
+                      </a:endParaRPr>
+                    </a:p>
+                  </a:txBody>
+                  <a:tcPr marL="2911" marR="2911" marT="2911" marB="0" anchor="ctr">
+                    <a:lnR w="12700" cap="flat" cmpd="sng" algn="ctr">
+                      <a:solidFill>
+                        <a:schemeClr val="bg1"/>
+                      </a:solidFill>
+                      <a:prstDash val="solid"/>
+                      <a:round/>
+                      <a:headEnd type="none" w="med" len="med"/>
+                      <a:tailEnd type="none" w="med" len="med"/>
+                    </a:lnR>
+                    <a:solidFill>
+                      <a:schemeClr val="accent2">
+                        <a:lumMod val="60000"/>
+                        <a:lumOff val="40000"/>
+                      </a:schemeClr>
+                    </a:solidFill>
+                  </a:tcPr>
+                </a:tc>
+                <a:tc>
+                  <a:txBody>
+                    <a:bodyPr/>
+                    <a:lstStyle/>
+                    <a:p>
+                      <a:pPr marL="36000" algn="l" fontAlgn="ctr">
+                        <a:spcBef>
+                          <a:spcPts val="0"/>
+                        </a:spcBef>
+                      </a:pPr>
+                      <a:r>
+                        <a:rPr lang="zh-TW" altLang="en-US" sz="1300" u="none" strike="noStrike" dirty="0">
+                          <a:effectLst/>
+                          <a:latin typeface="微軟正黑體" pitchFamily="34" charset="-120"/>
+                          <a:ea typeface="微軟正黑體" pitchFamily="34" charset="-120"/>
+                        </a:rPr>
+                        <a:t>婦女福利</a:t>
+                      </a:r>
+                      <a:endParaRPr lang="zh-TW" altLang="en-US" sz="1300" b="0" i="0" u="none" strike="noStrike" dirty="0">
+                        <a:solidFill>
+                          <a:srgbClr val="000000"/>
+                        </a:solidFill>
+                        <a:effectLst/>
+                        <a:latin typeface="微軟正黑體" pitchFamily="34" charset="-120"/>
+                        <a:ea typeface="微軟正黑體" pitchFamily="34" charset="-120"/>
+                      </a:endParaRPr>
+                    </a:p>
+                  </a:txBody>
+                  <a:tcPr marL="2911" marR="2911" marT="2911" marB="0" anchor="ctr">
+                    <a:lnL w="12700" cap="flat" cmpd="sng" algn="ctr">
+                      <a:solidFill>
+                        <a:schemeClr val="bg1"/>
+                      </a:solidFill>
+                      <a:prstDash val="solid"/>
+                      <a:round/>
+                      <a:headEnd type="none" w="med" len="med"/>
+                      <a:tailEnd type="none" w="med" len="med"/>
+                    </a:lnL>
+                    <a:lnR w="12700" cap="flat" cmpd="sng" algn="ctr">
+                      <a:solidFill>
+                        <a:schemeClr val="bg1"/>
+                      </a:solidFill>
+                      <a:prstDash val="solid"/>
+                      <a:round/>
+                      <a:headEnd type="none" w="med" len="med"/>
+                      <a:tailEnd type="none" w="med" len="med"/>
+                    </a:lnR>
+                    <a:solidFill>
+                      <a:schemeClr val="accent2">
+                        <a:lumMod val="60000"/>
+                        <a:lumOff val="40000"/>
+                      </a:schemeClr>
+                    </a:solidFill>
+                  </a:tcPr>
+                </a:tc>
+                <a:tc>
+                  <a:txBody>
+                    <a:bodyPr/>
+                    <a:lstStyle/>
+                    <a:p>
+                      <a:pPr marL="36000" algn="l" fontAlgn="ctr">
+                        <a:spcBef>
+                          <a:spcPts val="0"/>
+                        </a:spcBef>
+                      </a:pPr>
+                      <a:r>
+                        <a:rPr lang="zh-TW" altLang="en-US" sz="1300" u="none" strike="noStrike" dirty="0">
+                          <a:effectLst/>
+                          <a:latin typeface="微軟正黑體" pitchFamily="34" charset="-120"/>
+                          <a:ea typeface="微軟正黑體" pitchFamily="34" charset="-120"/>
+                        </a:rPr>
+                        <a:t>社會救助</a:t>
+                      </a:r>
+                      <a:endParaRPr lang="zh-TW" altLang="en-US" sz="1300" b="0" i="0" u="none" strike="noStrike" dirty="0">
+                        <a:solidFill>
+                          <a:srgbClr val="000000"/>
+                        </a:solidFill>
+                        <a:effectLst/>
+                        <a:latin typeface="微軟正黑體" pitchFamily="34" charset="-120"/>
+                        <a:ea typeface="微軟正黑體" pitchFamily="34" charset="-120"/>
+                      </a:endParaRPr>
+                    </a:p>
+                  </a:txBody>
+                  <a:tcPr marL="2911" marR="2911" marT="2911" marB="0" anchor="ctr">
+                    <a:lnL w="12700" cap="flat" cmpd="sng" algn="ctr">
+                      <a:solidFill>
+                        <a:schemeClr val="bg1"/>
+                      </a:solidFill>
+                      <a:prstDash val="solid"/>
+                      <a:round/>
+                      <a:headEnd type="none" w="med" len="med"/>
+                      <a:tailEnd type="none" w="med" len="med"/>
+                    </a:lnL>
+                    <a:solidFill>
+                      <a:schemeClr val="accent2">
+                        <a:lumMod val="60000"/>
+                        <a:lumOff val="40000"/>
+                      </a:schemeClr>
+                    </a:solidFill>
+                  </a:tcPr>
+                </a:tc>
+              </a:tr>
+              <a:tr h="352571">
+                <a:tc>
+                  <a:txBody>
+                    <a:bodyPr/>
+                    <a:lstStyle/>
+                    <a:p>
+                      <a:pPr marL="36000" algn="l" fontAlgn="ctr">
+                        <a:spcBef>
+                          <a:spcPts val="0"/>
+                        </a:spcBef>
+                      </a:pPr>
+                      <a:r>
+                        <a:rPr lang="zh-TW" altLang="en-US" sz="1300" u="none" strike="noStrike" dirty="0">
+                          <a:effectLst/>
+                          <a:latin typeface="微軟正黑體" pitchFamily="34" charset="-120"/>
+                          <a:ea typeface="微軟正黑體" pitchFamily="34" charset="-120"/>
+                        </a:rPr>
+                        <a:t>特殊境遇家庭兒童托育津貼如何申請？補助額度如何？</a:t>
+                      </a:r>
+                      <a:endParaRPr lang="zh-TW" altLang="en-US" sz="1300" b="0" i="0" u="none" strike="noStrike" dirty="0">
+                        <a:solidFill>
+                          <a:srgbClr val="000000"/>
+                        </a:solidFill>
+                        <a:effectLst/>
+                        <a:latin typeface="微軟正黑體" pitchFamily="34" charset="-120"/>
+                        <a:ea typeface="微軟正黑體" pitchFamily="34" charset="-120"/>
+                      </a:endParaRPr>
+                    </a:p>
+                  </a:txBody>
+                  <a:tcPr marL="2911" marR="2911" marT="2911" marB="0" anchor="ctr">
+                    <a:lnR w="12700" cap="flat" cmpd="sng" algn="ctr">
+                      <a:solidFill>
+                        <a:schemeClr val="bg1"/>
+                      </a:solidFill>
+                      <a:prstDash val="solid"/>
+                      <a:round/>
+                      <a:headEnd type="none" w="med" len="med"/>
+                      <a:tailEnd type="none" w="med" len="med"/>
+                    </a:lnR>
+                    <a:solidFill>
+                      <a:srgbClr val="FFC000"/>
+                    </a:solidFill>
+                  </a:tcPr>
+                </a:tc>
+                <a:tc>
+                  <a:txBody>
+                    <a:bodyPr/>
+                    <a:lstStyle/>
+                    <a:p>
+                      <a:pPr marL="36000" algn="l" fontAlgn="ctr">
+                        <a:spcBef>
+                          <a:spcPts val="0"/>
+                        </a:spcBef>
+                      </a:pPr>
+                      <a:r>
+                        <a:rPr lang="zh-TW" altLang="en-US" sz="1300" u="none" strike="noStrike" dirty="0">
+                          <a:effectLst/>
+                          <a:latin typeface="微軟正黑體" pitchFamily="34" charset="-120"/>
+                          <a:ea typeface="微軟正黑體" pitchFamily="34" charset="-120"/>
+                        </a:rPr>
+                        <a:t>婦女福利</a:t>
+                      </a:r>
+                      <a:endParaRPr lang="zh-TW" altLang="en-US" sz="1300" b="0" i="0" u="none" strike="noStrike" dirty="0">
+                        <a:solidFill>
+                          <a:srgbClr val="000000"/>
+                        </a:solidFill>
+                        <a:effectLst/>
+                        <a:latin typeface="微軟正黑體" pitchFamily="34" charset="-120"/>
+                        <a:ea typeface="微軟正黑體" pitchFamily="34" charset="-120"/>
+                      </a:endParaRPr>
+                    </a:p>
+                  </a:txBody>
+                  <a:tcPr marL="2911" marR="2911" marT="2911" marB="0" anchor="ctr">
+                    <a:lnL w="12700" cap="flat" cmpd="sng" algn="ctr">
+                      <a:solidFill>
+                        <a:schemeClr val="bg1"/>
+                      </a:solidFill>
+                      <a:prstDash val="solid"/>
+                      <a:round/>
+                      <a:headEnd type="none" w="med" len="med"/>
+                      <a:tailEnd type="none" w="med" len="med"/>
+                    </a:lnL>
+                    <a:lnR w="12700" cap="flat" cmpd="sng" algn="ctr">
+                      <a:solidFill>
+                        <a:schemeClr val="bg1"/>
+                      </a:solidFill>
+                      <a:prstDash val="solid"/>
+                      <a:round/>
+                      <a:headEnd type="none" w="med" len="med"/>
+                      <a:tailEnd type="none" w="med" len="med"/>
+                    </a:lnR>
+                    <a:solidFill>
+                      <a:srgbClr val="FFC000"/>
+                    </a:solidFill>
+                  </a:tcPr>
+                </a:tc>
+                <a:tc>
+                  <a:txBody>
+                    <a:bodyPr/>
+                    <a:lstStyle/>
+                    <a:p>
+                      <a:pPr marL="36000" algn="l" fontAlgn="ctr">
+                        <a:spcBef>
+                          <a:spcPts val="0"/>
+                        </a:spcBef>
+                      </a:pPr>
+                      <a:r>
+                        <a:rPr lang="zh-TW" altLang="en-US" sz="1300" u="none" strike="noStrike" dirty="0">
+                          <a:effectLst/>
+                          <a:latin typeface="微軟正黑體" pitchFamily="34" charset="-120"/>
+                          <a:ea typeface="微軟正黑體" pitchFamily="34" charset="-120"/>
+                        </a:rPr>
+                        <a:t>幼兒福利及托育服務</a:t>
+                      </a:r>
+                      <a:endParaRPr lang="zh-TW" altLang="en-US" sz="1300" b="0" i="0" u="none" strike="noStrike" dirty="0">
+                        <a:solidFill>
+                          <a:srgbClr val="000000"/>
+                        </a:solidFill>
+                        <a:effectLst/>
+                        <a:latin typeface="微軟正黑體" pitchFamily="34" charset="-120"/>
+                        <a:ea typeface="微軟正黑體" pitchFamily="34" charset="-120"/>
+                      </a:endParaRPr>
+                    </a:p>
+                  </a:txBody>
+                  <a:tcPr marL="2911" marR="2911" marT="2911" marB="0" anchor="ctr">
+                    <a:lnL w="12700" cap="flat" cmpd="sng" algn="ctr">
+                      <a:solidFill>
+                        <a:schemeClr val="bg1"/>
+                      </a:solidFill>
+                      <a:prstDash val="solid"/>
+                      <a:round/>
+                      <a:headEnd type="none" w="med" len="med"/>
+                      <a:tailEnd type="none" w="med" len="med"/>
+                    </a:lnL>
+                    <a:solidFill>
+                      <a:srgbClr val="FFC000"/>
+                    </a:solidFill>
+                  </a:tcPr>
+                </a:tc>
+              </a:tr>
+              <a:tr h="272218">
+                <a:tc>
+                  <a:txBody>
+                    <a:bodyPr/>
+                    <a:lstStyle/>
+                    <a:p>
+                      <a:pPr marL="36000" algn="l" fontAlgn="ctr">
+                        <a:spcBef>
+                          <a:spcPts val="0"/>
+                        </a:spcBef>
+                      </a:pPr>
+                      <a:r>
+                        <a:rPr lang="zh-TW" altLang="en-US" sz="1300" u="none" strike="noStrike" dirty="0">
+                          <a:effectLst/>
+                          <a:latin typeface="微軟正黑體" pitchFamily="34" charset="-120"/>
+                          <a:ea typeface="微軟正黑體" pitchFamily="34" charset="-120"/>
+                        </a:rPr>
+                        <a:t>如何申請老花眼鏡、拐杖補助？</a:t>
+                      </a:r>
+                      <a:endParaRPr lang="zh-TW" altLang="en-US" sz="1300" b="0" i="0" u="none" strike="noStrike" dirty="0">
+                        <a:solidFill>
+                          <a:srgbClr val="000000"/>
+                        </a:solidFill>
+                        <a:effectLst/>
+                        <a:latin typeface="微軟正黑體" pitchFamily="34" charset="-120"/>
+                        <a:ea typeface="微軟正黑體" pitchFamily="34" charset="-120"/>
+                      </a:endParaRPr>
+                    </a:p>
+                  </a:txBody>
+                  <a:tcPr marL="2911" marR="2911" marT="2911" marB="0" anchor="ctr">
+                    <a:lnR w="12700" cap="flat" cmpd="sng" algn="ctr">
+                      <a:solidFill>
+                        <a:schemeClr val="bg1"/>
+                      </a:solidFill>
+                      <a:prstDash val="solid"/>
+                      <a:round/>
+                      <a:headEnd type="none" w="med" len="med"/>
+                      <a:tailEnd type="none" w="med" len="med"/>
+                    </a:lnR>
+                    <a:solidFill>
+                      <a:schemeClr val="accent3">
+                        <a:lumMod val="60000"/>
+                        <a:lumOff val="40000"/>
+                      </a:schemeClr>
+                    </a:solidFill>
+                  </a:tcPr>
+                </a:tc>
+                <a:tc>
+                  <a:txBody>
+                    <a:bodyPr/>
+                    <a:lstStyle/>
+                    <a:p>
+                      <a:pPr marL="36000" algn="l" fontAlgn="ctr">
+                        <a:spcBef>
+                          <a:spcPts val="0"/>
+                        </a:spcBef>
+                      </a:pPr>
+                      <a:r>
+                        <a:rPr lang="zh-TW" altLang="en-US" sz="1300" u="none" strike="noStrike" dirty="0">
+                          <a:effectLst/>
+                          <a:latin typeface="微軟正黑體" pitchFamily="34" charset="-120"/>
+                          <a:ea typeface="微軟正黑體" pitchFamily="34" charset="-120"/>
+                        </a:rPr>
+                        <a:t>老人福利</a:t>
+                      </a:r>
+                      <a:endParaRPr lang="zh-TW" altLang="en-US" sz="1300" b="0" i="0" u="none" strike="noStrike" dirty="0">
+                        <a:solidFill>
+                          <a:srgbClr val="000000"/>
+                        </a:solidFill>
+                        <a:effectLst/>
+                        <a:latin typeface="微軟正黑體" pitchFamily="34" charset="-120"/>
+                        <a:ea typeface="微軟正黑體" pitchFamily="34" charset="-120"/>
+                      </a:endParaRPr>
+                    </a:p>
+                  </a:txBody>
+                  <a:tcPr marL="2911" marR="2911" marT="2911" marB="0" anchor="ctr">
+                    <a:lnL w="12700" cap="flat" cmpd="sng" algn="ctr">
+                      <a:solidFill>
+                        <a:schemeClr val="bg1"/>
+                      </a:solidFill>
+                      <a:prstDash val="solid"/>
+                      <a:round/>
+                      <a:headEnd type="none" w="med" len="med"/>
+                      <a:tailEnd type="none" w="med" len="med"/>
+                    </a:lnL>
+                    <a:lnR w="12700" cap="flat" cmpd="sng" algn="ctr">
+                      <a:solidFill>
+                        <a:schemeClr val="bg1"/>
+                      </a:solidFill>
+                      <a:prstDash val="solid"/>
+                      <a:round/>
+                      <a:headEnd type="none" w="med" len="med"/>
+                      <a:tailEnd type="none" w="med" len="med"/>
+                    </a:lnR>
+                    <a:solidFill>
+                      <a:schemeClr val="accent3">
+                        <a:lumMod val="60000"/>
+                        <a:lumOff val="40000"/>
+                      </a:schemeClr>
+                    </a:solidFill>
+                  </a:tcPr>
+                </a:tc>
+                <a:tc>
+                  <a:txBody>
+                    <a:bodyPr/>
+                    <a:lstStyle/>
+                    <a:p>
+                      <a:pPr marL="36000" algn="l" fontAlgn="ctr">
+                        <a:spcBef>
+                          <a:spcPts val="0"/>
+                        </a:spcBef>
+                      </a:pPr>
+                      <a:r>
+                        <a:rPr lang="zh-TW" altLang="en-US" sz="1300" u="none" strike="noStrike" dirty="0">
+                          <a:effectLst/>
+                          <a:latin typeface="微軟正黑體" pitchFamily="34" charset="-120"/>
+                          <a:ea typeface="微軟正黑體" pitchFamily="34" charset="-120"/>
+                        </a:rPr>
+                        <a:t>身心障礙者福利</a:t>
+                      </a:r>
+                      <a:endParaRPr lang="zh-TW" altLang="en-US" sz="1300" b="0" i="0" u="none" strike="noStrike" dirty="0">
+                        <a:solidFill>
+                          <a:srgbClr val="000000"/>
+                        </a:solidFill>
+                        <a:effectLst/>
+                        <a:latin typeface="微軟正黑體" pitchFamily="34" charset="-120"/>
+                        <a:ea typeface="微軟正黑體" pitchFamily="34" charset="-120"/>
+                      </a:endParaRPr>
+                    </a:p>
+                  </a:txBody>
+                  <a:tcPr marL="2911" marR="2911" marT="2911" marB="0" anchor="ctr">
+                    <a:lnL w="12700" cap="flat" cmpd="sng" algn="ctr">
+                      <a:solidFill>
+                        <a:schemeClr val="bg1"/>
+                      </a:solidFill>
+                      <a:prstDash val="solid"/>
+                      <a:round/>
+                      <a:headEnd type="none" w="med" len="med"/>
+                      <a:tailEnd type="none" w="med" len="med"/>
+                    </a:lnL>
+                    <a:solidFill>
+                      <a:schemeClr val="accent3">
+                        <a:lumMod val="60000"/>
+                        <a:lumOff val="40000"/>
+                      </a:schemeClr>
+                    </a:solidFill>
+                  </a:tcPr>
+                </a:tc>
+              </a:tr>
+              <a:tr h="236059">
+                <a:tc>
+                  <a:txBody>
+                    <a:bodyPr/>
+                    <a:lstStyle/>
+                    <a:p>
+                      <a:pPr marL="36000" algn="l" fontAlgn="ctr">
+                        <a:spcBef>
+                          <a:spcPts val="0"/>
+                        </a:spcBef>
+                      </a:pPr>
+                      <a:r>
+                        <a:rPr lang="zh-TW" altLang="en-US" sz="1300" u="none" strike="noStrike" dirty="0">
+                          <a:effectLst/>
+                          <a:latin typeface="微軟正黑體" pitchFamily="34" charset="-120"/>
+                          <a:ea typeface="微軟正黑體" pitchFamily="34" charset="-120"/>
+                        </a:rPr>
+                        <a:t>如何申請安置兒童日托中心之補助？</a:t>
+                      </a:r>
+                      <a:endParaRPr lang="zh-TW" altLang="en-US" sz="1300" b="0" i="0" u="none" strike="noStrike" dirty="0">
+                        <a:solidFill>
+                          <a:srgbClr val="000000"/>
+                        </a:solidFill>
+                        <a:effectLst/>
+                        <a:latin typeface="微軟正黑體" pitchFamily="34" charset="-120"/>
+                        <a:ea typeface="微軟正黑體" pitchFamily="34" charset="-120"/>
+                      </a:endParaRPr>
+                    </a:p>
+                  </a:txBody>
+                  <a:tcPr marL="2911" marR="2911" marT="2911" marB="0" anchor="ctr">
+                    <a:lnR w="12700" cap="flat" cmpd="sng" algn="ctr">
+                      <a:solidFill>
+                        <a:schemeClr val="bg1"/>
+                      </a:solidFill>
+                      <a:prstDash val="solid"/>
+                      <a:round/>
+                      <a:headEnd type="none" w="med" len="med"/>
+                      <a:tailEnd type="none" w="med" len="med"/>
+                    </a:lnR>
+                    <a:solidFill>
+                      <a:schemeClr val="accent2">
+                        <a:lumMod val="60000"/>
+                        <a:lumOff val="40000"/>
+                      </a:schemeClr>
+                    </a:solidFill>
+                  </a:tcPr>
+                </a:tc>
+                <a:tc>
+                  <a:txBody>
+                    <a:bodyPr/>
+                    <a:lstStyle/>
+                    <a:p>
+                      <a:pPr marL="36000" algn="l" fontAlgn="ctr">
+                        <a:spcBef>
+                          <a:spcPts val="0"/>
+                        </a:spcBef>
+                      </a:pPr>
+                      <a:r>
+                        <a:rPr lang="zh-TW" altLang="en-US" sz="1300" u="none" strike="noStrike" dirty="0">
+                          <a:effectLst/>
+                          <a:latin typeface="微軟正黑體" pitchFamily="34" charset="-120"/>
+                          <a:ea typeface="微軟正黑體" pitchFamily="34" charset="-120"/>
+                        </a:rPr>
+                        <a:t>身心障礙者福利</a:t>
+                      </a:r>
+                      <a:endParaRPr lang="zh-TW" altLang="en-US" sz="1300" b="0" i="0" u="none" strike="noStrike" dirty="0">
+                        <a:solidFill>
+                          <a:srgbClr val="000000"/>
+                        </a:solidFill>
+                        <a:effectLst/>
+                        <a:latin typeface="微軟正黑體" pitchFamily="34" charset="-120"/>
+                        <a:ea typeface="微軟正黑體" pitchFamily="34" charset="-120"/>
+                      </a:endParaRPr>
+                    </a:p>
+                  </a:txBody>
+                  <a:tcPr marL="2911" marR="2911" marT="2911" marB="0" anchor="ctr">
+                    <a:lnL w="12700" cap="flat" cmpd="sng" algn="ctr">
+                      <a:solidFill>
+                        <a:schemeClr val="bg1"/>
+                      </a:solidFill>
+                      <a:prstDash val="solid"/>
+                      <a:round/>
+                      <a:headEnd type="none" w="med" len="med"/>
+                      <a:tailEnd type="none" w="med" len="med"/>
+                    </a:lnL>
+                    <a:lnR w="12700" cap="flat" cmpd="sng" algn="ctr">
+                      <a:solidFill>
+                        <a:schemeClr val="bg1"/>
+                      </a:solidFill>
+                      <a:prstDash val="solid"/>
+                      <a:round/>
+                      <a:headEnd type="none" w="med" len="med"/>
+                      <a:tailEnd type="none" w="med" len="med"/>
+                    </a:lnR>
+                    <a:solidFill>
+                      <a:schemeClr val="accent2">
+                        <a:lumMod val="60000"/>
+                        <a:lumOff val="40000"/>
+                      </a:schemeClr>
+                    </a:solidFill>
+                  </a:tcPr>
+                </a:tc>
+                <a:tc>
+                  <a:txBody>
+                    <a:bodyPr/>
+                    <a:lstStyle/>
+                    <a:p>
+                      <a:pPr marL="36000" algn="l" fontAlgn="ctr">
+                        <a:spcBef>
+                          <a:spcPts val="0"/>
+                        </a:spcBef>
+                      </a:pPr>
+                      <a:r>
+                        <a:rPr lang="zh-TW" altLang="en-US" sz="1300" u="none" strike="noStrike" dirty="0">
+                          <a:effectLst/>
+                          <a:latin typeface="微軟正黑體" pitchFamily="34" charset="-120"/>
+                          <a:ea typeface="微軟正黑體" pitchFamily="34" charset="-120"/>
+                        </a:rPr>
+                        <a:t>兒童少年及家庭福利</a:t>
+                      </a:r>
+                      <a:endParaRPr lang="zh-TW" altLang="en-US" sz="1300" b="0" i="0" u="none" strike="noStrike" dirty="0">
+                        <a:solidFill>
+                          <a:srgbClr val="000000"/>
+                        </a:solidFill>
+                        <a:effectLst/>
+                        <a:latin typeface="微軟正黑體" pitchFamily="34" charset="-120"/>
+                        <a:ea typeface="微軟正黑體" pitchFamily="34" charset="-120"/>
+                      </a:endParaRPr>
+                    </a:p>
+                  </a:txBody>
+                  <a:tcPr marL="2911" marR="2911" marT="2911" marB="0" anchor="ctr">
+                    <a:lnL w="12700" cap="flat" cmpd="sng" algn="ctr">
+                      <a:solidFill>
+                        <a:schemeClr val="bg1"/>
+                      </a:solidFill>
+                      <a:prstDash val="solid"/>
+                      <a:round/>
+                      <a:headEnd type="none" w="med" len="med"/>
+                      <a:tailEnd type="none" w="med" len="med"/>
+                    </a:lnL>
+                    <a:solidFill>
+                      <a:schemeClr val="accent2">
+                        <a:lumMod val="60000"/>
+                        <a:lumOff val="40000"/>
+                      </a:schemeClr>
+                    </a:solidFill>
+                  </a:tcPr>
+                </a:tc>
+              </a:tr>
+              <a:tr h="484021">
+                <a:tc>
+                  <a:txBody>
+                    <a:bodyPr/>
+                    <a:lstStyle/>
+                    <a:p>
+                      <a:pPr marL="36000" algn="l" fontAlgn="ctr">
+                        <a:spcBef>
+                          <a:spcPts val="0"/>
+                        </a:spcBef>
+                      </a:pPr>
+                      <a:r>
+                        <a:rPr lang="zh-TW" altLang="en-US" sz="1300" u="none" strike="noStrike" dirty="0">
+                          <a:effectLst/>
+                          <a:latin typeface="微軟正黑體" pitchFamily="34" charset="-120"/>
+                          <a:ea typeface="微軟正黑體" pitchFamily="34" charset="-120"/>
+                        </a:rPr>
+                        <a:t>誰容易成為人口販運被害人？</a:t>
+                      </a:r>
+                      <a:endParaRPr lang="zh-TW" altLang="en-US" sz="1300" b="0" i="0" u="none" strike="noStrike" dirty="0">
+                        <a:solidFill>
+                          <a:srgbClr val="000000"/>
+                        </a:solidFill>
+                        <a:effectLst/>
+                        <a:latin typeface="微軟正黑體" pitchFamily="34" charset="-120"/>
+                        <a:ea typeface="微軟正黑體" pitchFamily="34" charset="-120"/>
+                      </a:endParaRPr>
+                    </a:p>
+                  </a:txBody>
+                  <a:tcPr marL="2911" marR="2911" marT="2911" marB="0" anchor="ctr">
+                    <a:lnR w="12700" cap="flat" cmpd="sng" algn="ctr">
+                      <a:solidFill>
+                        <a:schemeClr val="bg1"/>
+                      </a:solidFill>
+                      <a:prstDash val="solid"/>
+                      <a:round/>
+                      <a:headEnd type="none" w="med" len="med"/>
+                      <a:tailEnd type="none" w="med" len="med"/>
+                    </a:lnR>
+                    <a:solidFill>
+                      <a:schemeClr val="accent3">
+                        <a:lumMod val="60000"/>
+                        <a:lumOff val="40000"/>
+                      </a:schemeClr>
+                    </a:solidFill>
+                  </a:tcPr>
+                </a:tc>
+                <a:tc>
+                  <a:txBody>
+                    <a:bodyPr/>
+                    <a:lstStyle/>
+                    <a:p>
+                      <a:pPr marL="36000" algn="l" fontAlgn="ctr">
+                        <a:spcBef>
+                          <a:spcPts val="0"/>
+                        </a:spcBef>
+                      </a:pPr>
+                      <a:r>
+                        <a:rPr lang="zh-TW" altLang="en-US" sz="1300" u="none" strike="noStrike">
+                          <a:effectLst/>
+                          <a:latin typeface="微軟正黑體" pitchFamily="34" charset="-120"/>
+                          <a:ea typeface="微軟正黑體" pitchFamily="34" charset="-120"/>
+                        </a:rPr>
+                        <a:t>社工專業服務</a:t>
+                      </a:r>
+                      <a:endParaRPr lang="zh-TW" altLang="en-US" sz="1300" b="0" i="0" u="none" strike="noStrike">
+                        <a:solidFill>
+                          <a:srgbClr val="000000"/>
+                        </a:solidFill>
+                        <a:effectLst/>
+                        <a:latin typeface="微軟正黑體" pitchFamily="34" charset="-120"/>
+                        <a:ea typeface="微軟正黑體" pitchFamily="34" charset="-120"/>
+                      </a:endParaRPr>
+                    </a:p>
+                  </a:txBody>
+                  <a:tcPr marL="2911" marR="2911" marT="2911" marB="0" anchor="ctr">
+                    <a:lnL w="12700" cap="flat" cmpd="sng" algn="ctr">
+                      <a:solidFill>
+                        <a:schemeClr val="bg1"/>
+                      </a:solidFill>
+                      <a:prstDash val="solid"/>
+                      <a:round/>
+                      <a:headEnd type="none" w="med" len="med"/>
+                      <a:tailEnd type="none" w="med" len="med"/>
+                    </a:lnL>
+                    <a:lnR w="12700" cap="flat" cmpd="sng" algn="ctr">
+                      <a:solidFill>
+                        <a:schemeClr val="bg1"/>
+                      </a:solidFill>
+                      <a:prstDash val="solid"/>
+                      <a:round/>
+                      <a:headEnd type="none" w="med" len="med"/>
+                      <a:tailEnd type="none" w="med" len="med"/>
+                    </a:lnR>
+                    <a:solidFill>
+                      <a:schemeClr val="accent3">
+                        <a:lumMod val="60000"/>
+                        <a:lumOff val="40000"/>
+                      </a:schemeClr>
+                    </a:solidFill>
+                  </a:tcPr>
+                </a:tc>
+                <a:tc>
+                  <a:txBody>
+                    <a:bodyPr/>
+                    <a:lstStyle/>
+                    <a:p>
+                      <a:pPr marL="36000" algn="l" fontAlgn="ctr">
+                        <a:spcBef>
+                          <a:spcPts val="0"/>
+                        </a:spcBef>
+                      </a:pPr>
+                      <a:r>
+                        <a:rPr lang="zh-TW" altLang="en-US" sz="1300" u="none" strike="noStrike" dirty="0">
+                          <a:effectLst/>
+                          <a:latin typeface="微軟正黑體" pitchFamily="34" charset="-120"/>
+                          <a:ea typeface="微軟正黑體" pitchFamily="34" charset="-120"/>
+                        </a:rPr>
+                        <a:t>家庭暴力及性侵害防治服務</a:t>
+                      </a:r>
+                      <a:endParaRPr lang="zh-TW" altLang="en-US" sz="1300" b="0" i="0" u="none" strike="noStrike" dirty="0">
+                        <a:solidFill>
+                          <a:srgbClr val="000000"/>
+                        </a:solidFill>
+                        <a:effectLst/>
+                        <a:latin typeface="微軟正黑體" pitchFamily="34" charset="-120"/>
+                        <a:ea typeface="微軟正黑體" pitchFamily="34" charset="-120"/>
+                      </a:endParaRPr>
+                    </a:p>
+                  </a:txBody>
+                  <a:tcPr marL="2911" marR="2911" marT="2911" marB="0" anchor="ctr">
+                    <a:lnL w="12700" cap="flat" cmpd="sng" algn="ctr">
+                      <a:solidFill>
+                        <a:schemeClr val="bg1"/>
+                      </a:solidFill>
+                      <a:prstDash val="solid"/>
+                      <a:round/>
+                      <a:headEnd type="none" w="med" len="med"/>
+                      <a:tailEnd type="none" w="med" len="med"/>
+                    </a:lnL>
+                    <a:solidFill>
+                      <a:schemeClr val="accent3">
+                        <a:lumMod val="60000"/>
+                        <a:lumOff val="40000"/>
+                      </a:schemeClr>
+                    </a:solidFill>
+                  </a:tcPr>
+                </a:tc>
+              </a:tr>
+              <a:tr h="236059">
+                <a:tc>
+                  <a:txBody>
+                    <a:bodyPr/>
+                    <a:lstStyle/>
+                    <a:p>
+                      <a:pPr marL="36000" algn="l" fontAlgn="ctr">
+                        <a:spcBef>
+                          <a:spcPts val="0"/>
+                        </a:spcBef>
+                      </a:pPr>
+                      <a:r>
+                        <a:rPr lang="zh-TW" altLang="en-US" sz="1300" u="none" strike="noStrike" dirty="0">
+                          <a:effectLst/>
+                          <a:latin typeface="微軟正黑體" pitchFamily="34" charset="-120"/>
+                          <a:ea typeface="微軟正黑體" pitchFamily="34" charset="-120"/>
+                        </a:rPr>
+                        <a:t>申請籌組人民團體之條件為何？</a:t>
+                      </a:r>
+                      <a:endParaRPr lang="zh-TW" altLang="en-US" sz="1300" b="0" i="0" u="none" strike="noStrike" dirty="0">
+                        <a:solidFill>
+                          <a:srgbClr val="000000"/>
+                        </a:solidFill>
+                        <a:effectLst/>
+                        <a:latin typeface="微軟正黑體" pitchFamily="34" charset="-120"/>
+                        <a:ea typeface="微軟正黑體" pitchFamily="34" charset="-120"/>
+                      </a:endParaRPr>
+                    </a:p>
+                  </a:txBody>
+                  <a:tcPr marL="2911" marR="2911" marT="2911" marB="0" anchor="ctr">
+                    <a:lnR w="12700" cap="flat" cmpd="sng" algn="ctr">
+                      <a:solidFill>
+                        <a:schemeClr val="bg1"/>
+                      </a:solidFill>
+                      <a:prstDash val="solid"/>
+                      <a:round/>
+                      <a:headEnd type="none" w="med" len="med"/>
+                      <a:tailEnd type="none" w="med" len="med"/>
+                    </a:lnR>
+                    <a:solidFill>
+                      <a:schemeClr val="accent3">
+                        <a:lumMod val="60000"/>
+                        <a:lumOff val="40000"/>
+                      </a:schemeClr>
+                    </a:solidFill>
+                  </a:tcPr>
+                </a:tc>
+                <a:tc>
+                  <a:txBody>
+                    <a:bodyPr/>
+                    <a:lstStyle/>
+                    <a:p>
+                      <a:pPr marL="36000" algn="l" fontAlgn="ctr">
+                        <a:spcBef>
+                          <a:spcPts val="0"/>
+                        </a:spcBef>
+                      </a:pPr>
+                      <a:r>
+                        <a:rPr lang="zh-TW" altLang="en-US" sz="1300" u="none" strike="noStrike" dirty="0">
+                          <a:effectLst/>
+                          <a:latin typeface="微軟正黑體" pitchFamily="34" charset="-120"/>
+                          <a:ea typeface="微軟正黑體" pitchFamily="34" charset="-120"/>
+                        </a:rPr>
+                        <a:t>人民團體及合作社場服務</a:t>
+                      </a:r>
+                      <a:endParaRPr lang="zh-TW" altLang="en-US" sz="1300" b="0" i="0" u="none" strike="noStrike" dirty="0">
+                        <a:solidFill>
+                          <a:srgbClr val="000000"/>
+                        </a:solidFill>
+                        <a:effectLst/>
+                        <a:latin typeface="微軟正黑體" pitchFamily="34" charset="-120"/>
+                        <a:ea typeface="微軟正黑體" pitchFamily="34" charset="-120"/>
+                      </a:endParaRPr>
+                    </a:p>
+                  </a:txBody>
+                  <a:tcPr marL="2911" marR="2911" marT="2911" marB="0" anchor="ctr">
+                    <a:lnL w="12700" cap="flat" cmpd="sng" algn="ctr">
+                      <a:solidFill>
+                        <a:schemeClr val="bg1"/>
+                      </a:solidFill>
+                      <a:prstDash val="solid"/>
+                      <a:round/>
+                      <a:headEnd type="none" w="med" len="med"/>
+                      <a:tailEnd type="none" w="med" len="med"/>
+                    </a:lnL>
+                    <a:lnR w="12700" cap="flat" cmpd="sng" algn="ctr">
+                      <a:solidFill>
+                        <a:schemeClr val="bg1"/>
+                      </a:solidFill>
+                      <a:prstDash val="solid"/>
+                      <a:round/>
+                      <a:headEnd type="none" w="med" len="med"/>
+                      <a:tailEnd type="none" w="med" len="med"/>
+                    </a:lnR>
+                    <a:solidFill>
+                      <a:schemeClr val="accent3">
+                        <a:lumMod val="60000"/>
+                        <a:lumOff val="40000"/>
+                      </a:schemeClr>
+                    </a:solidFill>
+                  </a:tcPr>
+                </a:tc>
+                <a:tc>
+                  <a:txBody>
+                    <a:bodyPr/>
+                    <a:lstStyle/>
+                    <a:p>
+                      <a:pPr marL="36000" algn="l" fontAlgn="ctr">
+                        <a:spcBef>
+                          <a:spcPts val="0"/>
+                        </a:spcBef>
+                      </a:pPr>
+                      <a:r>
+                        <a:rPr lang="zh-TW" altLang="en-US" sz="1300" u="none" strike="noStrike" dirty="0">
+                          <a:effectLst/>
+                          <a:latin typeface="微軟正黑體" pitchFamily="34" charset="-120"/>
+                          <a:ea typeface="微軟正黑體" pitchFamily="34" charset="-120"/>
+                        </a:rPr>
+                        <a:t>身心障礙者福利</a:t>
+                      </a:r>
+                      <a:endParaRPr lang="zh-TW" altLang="en-US" sz="1300" b="0" i="0" u="none" strike="noStrike" dirty="0">
+                        <a:solidFill>
+                          <a:srgbClr val="000000"/>
+                        </a:solidFill>
+                        <a:effectLst/>
+                        <a:latin typeface="微軟正黑體" pitchFamily="34" charset="-120"/>
+                        <a:ea typeface="微軟正黑體" pitchFamily="34" charset="-120"/>
+                      </a:endParaRPr>
+                    </a:p>
+                  </a:txBody>
+                  <a:tcPr marL="2911" marR="2911" marT="2911" marB="0" anchor="ctr">
+                    <a:lnL w="12700" cap="flat" cmpd="sng" algn="ctr">
+                      <a:solidFill>
+                        <a:schemeClr val="bg1"/>
+                      </a:solidFill>
+                      <a:prstDash val="solid"/>
+                      <a:round/>
+                      <a:headEnd type="none" w="med" len="med"/>
+                      <a:tailEnd type="none" w="med" len="med"/>
+                    </a:lnL>
+                    <a:solidFill>
+                      <a:schemeClr val="accent3">
+                        <a:lumMod val="60000"/>
+                        <a:lumOff val="40000"/>
+                      </a:schemeClr>
+                    </a:solidFill>
+                  </a:tcPr>
+                </a:tc>
+              </a:tr>
+              <a:tr h="236059">
+                <a:tc>
+                  <a:txBody>
+                    <a:bodyPr/>
+                    <a:lstStyle/>
+                    <a:p>
+                      <a:pPr marL="36000" algn="l" fontAlgn="ctr">
+                        <a:spcBef>
+                          <a:spcPts val="0"/>
+                        </a:spcBef>
+                      </a:pPr>
+                      <a:r>
+                        <a:rPr lang="zh-TW" altLang="en-US" sz="1300" u="none" strike="noStrike" dirty="0">
+                          <a:effectLst/>
+                          <a:latin typeface="微軟正黑體" pitchFamily="34" charset="-120"/>
+                          <a:ea typeface="微軟正黑體" pitchFamily="34" charset="-120"/>
+                        </a:rPr>
+                        <a:t>申請人民團體應附書表及證件為何？</a:t>
+                      </a:r>
+                      <a:endParaRPr lang="zh-TW" altLang="en-US" sz="1300" b="0" i="0" u="none" strike="noStrike" dirty="0">
+                        <a:solidFill>
+                          <a:srgbClr val="000000"/>
+                        </a:solidFill>
+                        <a:effectLst/>
+                        <a:latin typeface="微軟正黑體" pitchFamily="34" charset="-120"/>
+                        <a:ea typeface="微軟正黑體" pitchFamily="34" charset="-120"/>
+                      </a:endParaRPr>
+                    </a:p>
+                  </a:txBody>
+                  <a:tcPr marL="2911" marR="2911" marT="2911" marB="0" anchor="ctr">
+                    <a:lnR w="12700" cap="flat" cmpd="sng" algn="ctr">
+                      <a:solidFill>
+                        <a:schemeClr val="bg1"/>
+                      </a:solidFill>
+                      <a:prstDash val="solid"/>
+                      <a:round/>
+                      <a:headEnd type="none" w="med" len="med"/>
+                      <a:tailEnd type="none" w="med" len="med"/>
+                    </a:lnR>
+                    <a:solidFill>
+                      <a:schemeClr val="accent3">
+                        <a:lumMod val="60000"/>
+                        <a:lumOff val="40000"/>
+                      </a:schemeClr>
+                    </a:solidFill>
+                  </a:tcPr>
+                </a:tc>
+                <a:tc>
+                  <a:txBody>
+                    <a:bodyPr/>
+                    <a:lstStyle/>
+                    <a:p>
+                      <a:pPr marL="36000" algn="l" fontAlgn="ctr">
+                        <a:spcBef>
+                          <a:spcPts val="0"/>
+                        </a:spcBef>
+                      </a:pPr>
+                      <a:r>
+                        <a:rPr lang="zh-TW" altLang="en-US" sz="1300" u="none" strike="noStrike" dirty="0">
+                          <a:effectLst/>
+                          <a:latin typeface="微軟正黑體" pitchFamily="34" charset="-120"/>
+                          <a:ea typeface="微軟正黑體" pitchFamily="34" charset="-120"/>
+                        </a:rPr>
+                        <a:t>人民團體及合作社場服務</a:t>
+                      </a:r>
+                      <a:endParaRPr lang="zh-TW" altLang="en-US" sz="1300" b="0" i="0" u="none" strike="noStrike" dirty="0">
+                        <a:solidFill>
+                          <a:srgbClr val="000000"/>
+                        </a:solidFill>
+                        <a:effectLst/>
+                        <a:latin typeface="微軟正黑體" pitchFamily="34" charset="-120"/>
+                        <a:ea typeface="微軟正黑體" pitchFamily="34" charset="-120"/>
+                      </a:endParaRPr>
+                    </a:p>
+                  </a:txBody>
+                  <a:tcPr marL="2911" marR="2911" marT="2911" marB="0" anchor="ctr">
+                    <a:lnL w="12700" cap="flat" cmpd="sng" algn="ctr">
+                      <a:solidFill>
+                        <a:schemeClr val="bg1"/>
+                      </a:solidFill>
+                      <a:prstDash val="solid"/>
+                      <a:round/>
+                      <a:headEnd type="none" w="med" len="med"/>
+                      <a:tailEnd type="none" w="med" len="med"/>
+                    </a:lnL>
+                    <a:lnR w="12700" cap="flat" cmpd="sng" algn="ctr">
+                      <a:solidFill>
+                        <a:schemeClr val="bg1"/>
+                      </a:solidFill>
+                      <a:prstDash val="solid"/>
+                      <a:round/>
+                      <a:headEnd type="none" w="med" len="med"/>
+                      <a:tailEnd type="none" w="med" len="med"/>
+                    </a:lnR>
+                    <a:solidFill>
+                      <a:schemeClr val="accent3">
+                        <a:lumMod val="60000"/>
+                        <a:lumOff val="40000"/>
+                      </a:schemeClr>
+                    </a:solidFill>
+                  </a:tcPr>
+                </a:tc>
+                <a:tc>
+                  <a:txBody>
+                    <a:bodyPr/>
+                    <a:lstStyle/>
+                    <a:p>
+                      <a:pPr marL="36000" algn="l" fontAlgn="ctr">
+                        <a:spcBef>
+                          <a:spcPts val="0"/>
+                        </a:spcBef>
+                      </a:pPr>
+                      <a:r>
+                        <a:rPr lang="zh-TW" altLang="en-US" sz="1300" u="none" strike="noStrike">
+                          <a:effectLst/>
+                          <a:latin typeface="微軟正黑體" pitchFamily="34" charset="-120"/>
+                          <a:ea typeface="微軟正黑體" pitchFamily="34" charset="-120"/>
+                        </a:rPr>
+                        <a:t>身心障礙者福利</a:t>
+                      </a:r>
+                      <a:endParaRPr lang="zh-TW" altLang="en-US" sz="1300" b="0" i="0" u="none" strike="noStrike">
+                        <a:solidFill>
+                          <a:srgbClr val="000000"/>
+                        </a:solidFill>
+                        <a:effectLst/>
+                        <a:latin typeface="微軟正黑體" pitchFamily="34" charset="-120"/>
+                        <a:ea typeface="微軟正黑體" pitchFamily="34" charset="-120"/>
+                      </a:endParaRPr>
+                    </a:p>
+                  </a:txBody>
+                  <a:tcPr marL="2911" marR="2911" marT="2911" marB="0" anchor="ctr">
+                    <a:lnL w="12700" cap="flat" cmpd="sng" algn="ctr">
+                      <a:solidFill>
+                        <a:schemeClr val="bg1"/>
+                      </a:solidFill>
+                      <a:prstDash val="solid"/>
+                      <a:round/>
+                      <a:headEnd type="none" w="med" len="med"/>
+                      <a:tailEnd type="none" w="med" len="med"/>
+                    </a:lnL>
+                    <a:solidFill>
+                      <a:schemeClr val="accent3">
+                        <a:lumMod val="60000"/>
+                        <a:lumOff val="40000"/>
+                      </a:schemeClr>
+                    </a:solidFill>
+                  </a:tcPr>
+                </a:tc>
+              </a:tr>
+              <a:tr h="193628">
+                <a:tc>
+                  <a:txBody>
+                    <a:bodyPr/>
+                    <a:lstStyle/>
+                    <a:p>
+                      <a:pPr marL="36000" algn="l" fontAlgn="ctr">
+                        <a:spcBef>
+                          <a:spcPts val="0"/>
+                        </a:spcBef>
+                      </a:pPr>
+                      <a:r>
+                        <a:rPr lang="zh-TW" altLang="en-US" sz="1300" u="none" strike="noStrike" dirty="0">
+                          <a:effectLst/>
+                          <a:latin typeface="微軟正黑體" pitchFamily="34" charset="-120"/>
+                          <a:ea typeface="微軟正黑體" pitchFamily="34" charset="-120"/>
+                        </a:rPr>
+                        <a:t>如何加入志工行列？</a:t>
+                      </a:r>
+                      <a:endParaRPr lang="zh-TW" altLang="en-US" sz="1300" b="0" i="0" u="none" strike="noStrike" dirty="0">
+                        <a:solidFill>
+                          <a:srgbClr val="000000"/>
+                        </a:solidFill>
+                        <a:effectLst/>
+                        <a:latin typeface="微軟正黑體" pitchFamily="34" charset="-120"/>
+                        <a:ea typeface="微軟正黑體" pitchFamily="34" charset="-120"/>
+                      </a:endParaRPr>
+                    </a:p>
+                  </a:txBody>
+                  <a:tcPr marL="2911" marR="2911" marT="2911" marB="0" anchor="ctr">
+                    <a:lnR w="12700" cap="flat" cmpd="sng" algn="ctr">
+                      <a:solidFill>
+                        <a:schemeClr val="bg1"/>
+                      </a:solidFill>
+                      <a:prstDash val="solid"/>
+                      <a:round/>
+                      <a:headEnd type="none" w="med" len="med"/>
+                      <a:tailEnd type="none" w="med" len="med"/>
+                    </a:lnR>
+                    <a:solidFill>
+                      <a:schemeClr val="accent3">
+                        <a:lumMod val="60000"/>
+                        <a:lumOff val="40000"/>
+                      </a:schemeClr>
+                    </a:solidFill>
+                  </a:tcPr>
+                </a:tc>
+                <a:tc>
+                  <a:txBody>
+                    <a:bodyPr/>
+                    <a:lstStyle/>
+                    <a:p>
+                      <a:pPr marL="36000" algn="l" fontAlgn="ctr">
+                        <a:spcBef>
+                          <a:spcPts val="0"/>
+                        </a:spcBef>
+                      </a:pPr>
+                      <a:r>
+                        <a:rPr lang="zh-TW" altLang="en-US" sz="1300" u="none" strike="noStrike" dirty="0">
+                          <a:effectLst/>
+                          <a:latin typeface="微軟正黑體" pitchFamily="34" charset="-120"/>
+                          <a:ea typeface="微軟正黑體" pitchFamily="34" charset="-120"/>
+                        </a:rPr>
+                        <a:t>志願服務</a:t>
+                      </a:r>
+                      <a:endParaRPr lang="zh-TW" altLang="en-US" sz="1300" b="0" i="0" u="none" strike="noStrike" dirty="0">
+                        <a:solidFill>
+                          <a:srgbClr val="000000"/>
+                        </a:solidFill>
+                        <a:effectLst/>
+                        <a:latin typeface="微軟正黑體" pitchFamily="34" charset="-120"/>
+                        <a:ea typeface="微軟正黑體" pitchFamily="34" charset="-120"/>
+                      </a:endParaRPr>
+                    </a:p>
+                  </a:txBody>
+                  <a:tcPr marL="2911" marR="2911" marT="2911" marB="0" anchor="ctr">
+                    <a:lnL w="12700" cap="flat" cmpd="sng" algn="ctr">
+                      <a:solidFill>
+                        <a:schemeClr val="bg1"/>
+                      </a:solidFill>
+                      <a:prstDash val="solid"/>
+                      <a:round/>
+                      <a:headEnd type="none" w="med" len="med"/>
+                      <a:tailEnd type="none" w="med" len="med"/>
+                    </a:lnL>
+                    <a:lnR w="12700" cap="flat" cmpd="sng" algn="ctr">
+                      <a:solidFill>
+                        <a:schemeClr val="bg1"/>
+                      </a:solidFill>
+                      <a:prstDash val="solid"/>
+                      <a:round/>
+                      <a:headEnd type="none" w="med" len="med"/>
+                      <a:tailEnd type="none" w="med" len="med"/>
+                    </a:lnR>
+                    <a:solidFill>
+                      <a:schemeClr val="accent3">
+                        <a:lumMod val="60000"/>
+                        <a:lumOff val="40000"/>
+                      </a:schemeClr>
+                    </a:solidFill>
+                  </a:tcPr>
+                </a:tc>
+                <a:tc>
+                  <a:txBody>
+                    <a:bodyPr/>
+                    <a:lstStyle/>
+                    <a:p>
+                      <a:pPr marL="36000" algn="l" fontAlgn="ctr">
+                        <a:spcBef>
+                          <a:spcPts val="0"/>
+                        </a:spcBef>
+                      </a:pPr>
+                      <a:r>
+                        <a:rPr lang="zh-TW" altLang="en-US" sz="1300" u="none" strike="noStrike" dirty="0">
+                          <a:effectLst/>
+                          <a:latin typeface="微軟正黑體" pitchFamily="34" charset="-120"/>
+                          <a:ea typeface="微軟正黑體" pitchFamily="34" charset="-120"/>
+                        </a:rPr>
+                        <a:t>身心障礙者福利</a:t>
+                      </a:r>
+                      <a:endParaRPr lang="zh-TW" altLang="en-US" sz="1300" b="0" i="0" u="none" strike="noStrike" dirty="0">
+                        <a:solidFill>
+                          <a:srgbClr val="000000"/>
+                        </a:solidFill>
+                        <a:effectLst/>
+                        <a:latin typeface="微軟正黑體" pitchFamily="34" charset="-120"/>
+                        <a:ea typeface="微軟正黑體" pitchFamily="34" charset="-120"/>
+                      </a:endParaRPr>
+                    </a:p>
+                  </a:txBody>
+                  <a:tcPr marL="2911" marR="2911" marT="2911" marB="0" anchor="ctr">
+                    <a:lnL w="12700" cap="flat" cmpd="sng" algn="ctr">
+                      <a:solidFill>
+                        <a:schemeClr val="bg1"/>
+                      </a:solidFill>
+                      <a:prstDash val="solid"/>
+                      <a:round/>
+                      <a:headEnd type="none" w="med" len="med"/>
+                      <a:tailEnd type="none" w="med" len="med"/>
+                    </a:lnL>
+                    <a:solidFill>
+                      <a:schemeClr val="accent3">
+                        <a:lumMod val="60000"/>
+                        <a:lumOff val="40000"/>
+                      </a:schemeClr>
+                    </a:solidFill>
+                  </a:tcPr>
+                </a:tc>
+              </a:tr>
+            </a:tbl>
+          </a:graphicData>
+        </a:graphic>
+      </p:graphicFrame>
+    </p:spTree>
+    <p:extLst>
+      <p:ext uri="{BB962C8B-B14F-4D97-AF65-F5344CB8AC3E}">
+        <p14:creationId xmlns:p14="http://schemas.microsoft.com/office/powerpoint/2010/main" val="3259364467"/>
+      </p:ext>
+    </p:extLst>
+  </p:cSld>
+  <p:clrMapOvr>
+    <a:masterClrMapping/>
+  </p:clrMapOvr>
+</p:sld>
+</file>
+
+<file path=ppt/slides/slide15.xml><?xml version="1.0" encoding="utf-8"?>
+<p:sld xmlns:a="http://schemas.openxmlformats.org/drawingml/2006/main" xmlns:r="http://schemas.openxmlformats.org/officeDocument/2006/relationships" xmlns:p="http://schemas.openxmlformats.org/presentationml/2006/main">
+  <p:cSld>
+    <p:spTree>
+      <p:nvGrpSpPr>
+        <p:cNvPr id="1" name=""/>
+        <p:cNvGrpSpPr/>
+        <p:nvPr/>
+      </p:nvGrpSpPr>
+      <p:grpSpPr>
+        <a:xfrm>
+          <a:off x="0" y="0"/>
+          <a:ext cx="0" cy="0"/>
+          <a:chOff x="0" y="0"/>
+          <a:chExt cx="0" cy="0"/>
+        </a:xfrm>
+      </p:grpSpPr>
+      <p:sp>
+        <p:nvSpPr>
           <p:cNvPr id="4" name="標題 3"/>
           <p:cNvSpPr>
             <a:spLocks noGrp="1"/>
@@ -5314,7 +7432,7 @@
 </p:sld>
 </file>
 
-<file path=ppt/slides/slide15.xml><?xml version="1.0" encoding="utf-8"?>
+<file path=ppt/slides/slide16.xml><?xml version="1.0" encoding="utf-8"?>
 <p:sld xmlns:a="http://schemas.openxmlformats.org/drawingml/2006/main" xmlns:r="http://schemas.openxmlformats.org/officeDocument/2006/relationships" xmlns:p="http://schemas.openxmlformats.org/presentationml/2006/main">
   <p:cSld>
     <p:spTree>
@@ -5371,7 +7489,7 @@
           <a:p>
             <a:fld id="{458270D0-B830-4E87-A9C7-B662AFD560B4}" type="slidenum">
               <a:rPr lang="zh-TW" altLang="en-US" smtClean="0"/>
-              <a:t>15</a:t>
+              <a:t>16</a:t>
             </a:fld>
             <a:endParaRPr lang="zh-TW" altLang="en-US"/>
           </a:p>
@@ -5433,101 +7551,6 @@
 </p:sld>
 </file>
 
-<file path=ppt/slides/slide16.xml><?xml version="1.0" encoding="utf-8"?>
-<p:sld xmlns:a="http://schemas.openxmlformats.org/drawingml/2006/main" xmlns:r="http://schemas.openxmlformats.org/officeDocument/2006/relationships" xmlns:p="http://schemas.openxmlformats.org/presentationml/2006/main">
-  <p:cSld>
-    <p:spTree>
-      <p:nvGrpSpPr>
-        <p:cNvPr id="1" name=""/>
-        <p:cNvGrpSpPr/>
-        <p:nvPr/>
-      </p:nvGrpSpPr>
-      <p:grpSpPr>
-        <a:xfrm>
-          <a:off x="0" y="0"/>
-          <a:ext cx="0" cy="0"/>
-          <a:chOff x="0" y="0"/>
-          <a:chExt cx="0" cy="0"/>
-        </a:xfrm>
-      </p:grpSpPr>
-      <p:sp>
-        <p:nvSpPr>
-          <p:cNvPr id="2" name="標題 1"/>
-          <p:cNvSpPr>
-            <a:spLocks noGrp="1"/>
-          </p:cNvSpPr>
-          <p:nvPr>
-            <p:ph type="title"/>
-          </p:nvPr>
-        </p:nvSpPr>
-        <p:spPr/>
-        <p:txBody>
-          <a:bodyPr/>
-          <a:lstStyle/>
-          <a:p>
-            <a:endParaRPr lang="zh-TW" altLang="en-US"/>
-          </a:p>
-        </p:txBody>
-      </p:sp>
-      <p:sp>
-        <p:nvSpPr>
-          <p:cNvPr id="3" name="內容版面配置區 2"/>
-          <p:cNvSpPr>
-            <a:spLocks noGrp="1"/>
-          </p:cNvSpPr>
-          <p:nvPr>
-            <p:ph idx="1"/>
-          </p:nvPr>
-        </p:nvSpPr>
-        <p:spPr/>
-        <p:txBody>
-          <a:bodyPr/>
-          <a:lstStyle/>
-          <a:p>
-            <a:r>
-              <a:rPr lang="en-US" altLang="zh-TW" smtClean="0"/>
-              <a:t>AAA</a:t>
-            </a:r>
-            <a:endParaRPr lang="zh-TW" altLang="en-US"/>
-          </a:p>
-        </p:txBody>
-      </p:sp>
-      <p:sp>
-        <p:nvSpPr>
-          <p:cNvPr id="4" name="投影片編號版面配置區 3"/>
-          <p:cNvSpPr>
-            <a:spLocks noGrp="1"/>
-          </p:cNvSpPr>
-          <p:nvPr>
-            <p:ph type="sldNum" sz="quarter" idx="12"/>
-          </p:nvPr>
-        </p:nvSpPr>
-        <p:spPr/>
-        <p:txBody>
-          <a:bodyPr/>
-          <a:lstStyle/>
-          <a:p>
-            <a:fld id="{458270D0-B830-4E87-A9C7-B662AFD560B4}" type="slidenum">
-              <a:rPr lang="zh-TW" altLang="en-US" smtClean="0"/>
-              <a:t>16</a:t>
-            </a:fld>
-            <a:endParaRPr lang="zh-TW" altLang="en-US"/>
-          </a:p>
-        </p:txBody>
-      </p:sp>
-    </p:spTree>
-    <p:extLst>
-      <p:ext uri="{BB962C8B-B14F-4D97-AF65-F5344CB8AC3E}">
-        <p14:creationId xmlns:p14="http://schemas.microsoft.com/office/powerpoint/2010/main" val="3259364467"/>
-      </p:ext>
-    </p:extLst>
-  </p:cSld>
-  <p:clrMapOvr>
-    <a:masterClrMapping/>
-  </p:clrMapOvr>
-</p:sld>
-</file>
-
 <file path=ppt/slides/slide17.xml><?xml version="1.0" encoding="utf-8"?>
 <p:sld xmlns:a="http://schemas.openxmlformats.org/drawingml/2006/main" xmlns:r="http://schemas.openxmlformats.org/officeDocument/2006/relationships" xmlns:p="http://schemas.openxmlformats.org/presentationml/2006/main">
   <p:cSld>
@@ -5679,15 +7702,15 @@
             </a:pPr>
             <a:r>
               <a:rPr lang="zh-TW" altLang="en-US" sz="3000" dirty="0" smtClean="0"/>
-              <a:t>主題：</a:t>
+              <a:t>主題</a:t>
             </a:r>
             <a:r>
               <a:rPr lang="zh-TW" altLang="en-US" sz="3000" dirty="0"/>
-              <a:t>市民安全與便民</a:t>
+              <a:t>：消費支出與生活</a:t>
             </a:r>
             <a:r>
               <a:rPr lang="zh-TW" altLang="en-US" sz="3000" dirty="0" smtClean="0"/>
-              <a:t>服務</a:t>
+              <a:t>品質</a:t>
             </a:r>
             <a:endParaRPr lang="en-US" altLang="zh-TW" sz="3000" dirty="0" smtClean="0"/>
           </a:p>
@@ -5699,7 +7722,11 @@
             </a:pPr>
             <a:r>
               <a:rPr lang="zh-TW" altLang="en-US" sz="3000" dirty="0" smtClean="0"/>
-              <a:t>區域：新竹市</a:t>
+              <a:t>區域</a:t>
+            </a:r>
+            <a:r>
+              <a:rPr lang="zh-TW" altLang="en-US" sz="3000" dirty="0" smtClean="0"/>
+              <a:t>：新竹市</a:t>
             </a:r>
             <a:endParaRPr lang="en-US" altLang="zh-TW" sz="3000" dirty="0" smtClean="0"/>
           </a:p>
@@ -6560,21 +8587,21 @@
                 <a:gridCol w="484787">
                   <a:extLst>
                     <a:ext uri="{9D8B030D-6E8A-4147-A177-3AD203B41FA5}">
-                      <a16:colId xmlns:a16="http://schemas.microsoft.com/office/drawing/2014/main" val="20000"/>
+                      <a16:colId xmlns:a16="http://schemas.microsoft.com/office/drawing/2014/main" xmlns="" val="20000"/>
                     </a:ext>
                   </a:extLst>
                 </a:gridCol>
                 <a:gridCol w="2602295">
                   <a:extLst>
                     <a:ext uri="{9D8B030D-6E8A-4147-A177-3AD203B41FA5}">
-                      <a16:colId xmlns:a16="http://schemas.microsoft.com/office/drawing/2014/main" val="20001"/>
+                      <a16:colId xmlns:a16="http://schemas.microsoft.com/office/drawing/2014/main" xmlns="" val="20001"/>
                     </a:ext>
                   </a:extLst>
                 </a:gridCol>
                 <a:gridCol w="548814">
                   <a:extLst>
                     <a:ext uri="{9D8B030D-6E8A-4147-A177-3AD203B41FA5}">
-                      <a16:colId xmlns:a16="http://schemas.microsoft.com/office/drawing/2014/main" val="20002"/>
+                      <a16:colId xmlns:a16="http://schemas.microsoft.com/office/drawing/2014/main" xmlns="" val="20002"/>
                     </a:ext>
                   </a:extLst>
                 </a:gridCol>
@@ -6688,7 +8715,7 @@
                 </a:tc>
                 <a:extLst>
                   <a:ext uri="{0D108BD9-81ED-4DB2-BD59-A6C34878D82A}">
-                    <a16:rowId xmlns:a16="http://schemas.microsoft.com/office/drawing/2014/main" val="10000"/>
+                    <a16:rowId xmlns:a16="http://schemas.microsoft.com/office/drawing/2014/main" xmlns="" val="10000"/>
                   </a:ext>
                 </a:extLst>
               </a:tr>
@@ -6801,7 +8828,7 @@
                 </a:tc>
                 <a:extLst>
                   <a:ext uri="{0D108BD9-81ED-4DB2-BD59-A6C34878D82A}">
-                    <a16:rowId xmlns:a16="http://schemas.microsoft.com/office/drawing/2014/main" val="10001"/>
+                    <a16:rowId xmlns:a16="http://schemas.microsoft.com/office/drawing/2014/main" xmlns="" val="10001"/>
                   </a:ext>
                 </a:extLst>
               </a:tr>
@@ -6914,7 +8941,7 @@
                 </a:tc>
                 <a:extLst>
                   <a:ext uri="{0D108BD9-81ED-4DB2-BD59-A6C34878D82A}">
-                    <a16:rowId xmlns:a16="http://schemas.microsoft.com/office/drawing/2014/main" val="10002"/>
+                    <a16:rowId xmlns:a16="http://schemas.microsoft.com/office/drawing/2014/main" xmlns="" val="10002"/>
                   </a:ext>
                 </a:extLst>
               </a:tr>
@@ -7027,7 +9054,7 @@
                 </a:tc>
                 <a:extLst>
                   <a:ext uri="{0D108BD9-81ED-4DB2-BD59-A6C34878D82A}">
-                    <a16:rowId xmlns:a16="http://schemas.microsoft.com/office/drawing/2014/main" val="10003"/>
+                    <a16:rowId xmlns:a16="http://schemas.microsoft.com/office/drawing/2014/main" xmlns="" val="10003"/>
                   </a:ext>
                 </a:extLst>
               </a:tr>
@@ -7140,7 +9167,7 @@
                 </a:tc>
                 <a:extLst>
                   <a:ext uri="{0D108BD9-81ED-4DB2-BD59-A6C34878D82A}">
-                    <a16:rowId xmlns:a16="http://schemas.microsoft.com/office/drawing/2014/main" val="10004"/>
+                    <a16:rowId xmlns:a16="http://schemas.microsoft.com/office/drawing/2014/main" xmlns="" val="10004"/>
                   </a:ext>
                 </a:extLst>
               </a:tr>
@@ -7253,7 +9280,7 @@
                 </a:tc>
                 <a:extLst>
                   <a:ext uri="{0D108BD9-81ED-4DB2-BD59-A6C34878D82A}">
-                    <a16:rowId xmlns:a16="http://schemas.microsoft.com/office/drawing/2014/main" val="10005"/>
+                    <a16:rowId xmlns:a16="http://schemas.microsoft.com/office/drawing/2014/main" xmlns="" val="10005"/>
                   </a:ext>
                 </a:extLst>
               </a:tr>
@@ -7366,7 +9393,7 @@
                 </a:tc>
                 <a:extLst>
                   <a:ext uri="{0D108BD9-81ED-4DB2-BD59-A6C34878D82A}">
-                    <a16:rowId xmlns:a16="http://schemas.microsoft.com/office/drawing/2014/main" val="10006"/>
+                    <a16:rowId xmlns:a16="http://schemas.microsoft.com/office/drawing/2014/main" xmlns="" val="10006"/>
                   </a:ext>
                 </a:extLst>
               </a:tr>
@@ -7479,7 +9506,7 @@
                 </a:tc>
                 <a:extLst>
                   <a:ext uri="{0D108BD9-81ED-4DB2-BD59-A6C34878D82A}">
-                    <a16:rowId xmlns:a16="http://schemas.microsoft.com/office/drawing/2014/main" val="10007"/>
+                    <a16:rowId xmlns:a16="http://schemas.microsoft.com/office/drawing/2014/main" xmlns="" val="10007"/>
                   </a:ext>
                 </a:extLst>
               </a:tr>
@@ -7592,7 +9619,7 @@
                 </a:tc>
                 <a:extLst>
                   <a:ext uri="{0D108BD9-81ED-4DB2-BD59-A6C34878D82A}">
-                    <a16:rowId xmlns:a16="http://schemas.microsoft.com/office/drawing/2014/main" val="10008"/>
+                    <a16:rowId xmlns:a16="http://schemas.microsoft.com/office/drawing/2014/main" xmlns="" val="10008"/>
                   </a:ext>
                 </a:extLst>
               </a:tr>
@@ -7705,7 +9732,7 @@
                 </a:tc>
                 <a:extLst>
                   <a:ext uri="{0D108BD9-81ED-4DB2-BD59-A6C34878D82A}">
-                    <a16:rowId xmlns:a16="http://schemas.microsoft.com/office/drawing/2014/main" val="10009"/>
+                    <a16:rowId xmlns:a16="http://schemas.microsoft.com/office/drawing/2014/main" xmlns="" val="10009"/>
                   </a:ext>
                 </a:extLst>
               </a:tr>
@@ -7818,7 +9845,7 @@
                 </a:tc>
                 <a:extLst>
                   <a:ext uri="{0D108BD9-81ED-4DB2-BD59-A6C34878D82A}">
-                    <a16:rowId xmlns:a16="http://schemas.microsoft.com/office/drawing/2014/main" val="10010"/>
+                    <a16:rowId xmlns:a16="http://schemas.microsoft.com/office/drawing/2014/main" xmlns="" val="10010"/>
                   </a:ext>
                 </a:extLst>
               </a:tr>
@@ -7931,7 +9958,7 @@
                 </a:tc>
                 <a:extLst>
                   <a:ext uri="{0D108BD9-81ED-4DB2-BD59-A6C34878D82A}">
-                    <a16:rowId xmlns:a16="http://schemas.microsoft.com/office/drawing/2014/main" val="10011"/>
+                    <a16:rowId xmlns:a16="http://schemas.microsoft.com/office/drawing/2014/main" xmlns="" val="10011"/>
                   </a:ext>
                 </a:extLst>
               </a:tr>
@@ -8044,7 +10071,7 @@
                 </a:tc>
                 <a:extLst>
                   <a:ext uri="{0D108BD9-81ED-4DB2-BD59-A6C34878D82A}">
-                    <a16:rowId xmlns:a16="http://schemas.microsoft.com/office/drawing/2014/main" val="10012"/>
+                    <a16:rowId xmlns:a16="http://schemas.microsoft.com/office/drawing/2014/main" xmlns="" val="10012"/>
                   </a:ext>
                 </a:extLst>
               </a:tr>
